--- a/Presentazione.pptx
+++ b/Presentazione.pptx
@@ -4211,7 +4211,7 @@
         </p:nvSpPr>
         <p:spPr>
           <a:xfrm>
-            <a:off x="460514" y="4940691"/>
+            <a:off x="371918" y="4940691"/>
             <a:ext cx="2422020" cy="307777"/>
           </a:xfrm>
           <a:prstGeom prst="rect">
@@ -5518,7 +5518,7 @@
         </p:nvSpPr>
         <p:spPr>
           <a:xfrm>
-            <a:off x="867392" y="3204071"/>
+            <a:off x="867392" y="3174535"/>
             <a:ext cx="7819407" cy="2738442"/>
           </a:xfrm>
           <a:prstGeom prst="rect">
@@ -5668,17 +5668,7 @@
                 <a:latin typeface="Calibri"/>
                 <a:cs typeface="Calibri"/>
               </a:rPr>
-              <a:t>Modellazione del </a:t>
-            </a:r>
-            <a:r>
-              <a:rPr lang="it-IT" sz="2800" i="1" dirty="0" smtClean="0">
-                <a:solidFill>
-                  <a:srgbClr val="15A6FB"/>
-                </a:solidFill>
-                <a:latin typeface="Calibri"/>
-                <a:cs typeface="Calibri"/>
-              </a:rPr>
-              <a:t>problema: il nostro modello</a:t>
+              <a:t>Modellazione del problema: il nostro modello</a:t>
             </a:r>
             <a:endParaRPr lang="it-IT" sz="2800" i="1" dirty="0">
               <a:solidFill>

--- a/Presentazione.pptx
+++ b/Presentazione.pptx
@@ -199,7 +199,7 @@
           <a:p>
             <a:fld id="{4624264E-50DD-D54C-AAAF-67A8456992DE}" type="datetime1">
               <a:rPr lang="it-IT" smtClean="0"/>
-              <a:t>13/05/15</a:t>
+              <a:t>14/05/15</a:t>
             </a:fld>
             <a:endParaRPr lang="it-IT"/>
           </a:p>
@@ -365,7 +365,7 @@
           <a:p>
             <a:fld id="{EA8D28A1-7223-ED45-AEBF-632395B6C05F}" type="datetime1">
               <a:rPr lang="it-IT" smtClean="0"/>
-              <a:t>13/05/15</a:t>
+              <a:t>14/05/15</a:t>
             </a:fld>
             <a:endParaRPr lang="it-IT"/>
           </a:p>
@@ -1004,7 +1004,7 @@
           <a:p>
             <a:fld id="{0C50A308-D742-524A-A855-B3EBC452EA00}" type="datetime2">
               <a:rPr lang="it-IT" smtClean="0"/>
-              <a:t>Mercoledì 13 maggio 15</a:t>
+              <a:t>Giovedì 14 maggio 15</a:t>
             </a:fld>
             <a:endParaRPr lang="en-US"/>
           </a:p>
@@ -1206,7 +1206,7 @@
           <a:p>
             <a:fld id="{F4C5D137-08EA-C34E-BDC0-7A6898CB95B0}" type="datetime2">
               <a:rPr lang="it-IT" smtClean="0"/>
-              <a:t>Mercoledì 13 maggio 15</a:t>
+              <a:t>Giovedì 14 maggio 15</a:t>
             </a:fld>
             <a:endParaRPr lang="en-US"/>
           </a:p>
@@ -1383,7 +1383,7 @@
           <a:p>
             <a:fld id="{DB457F55-DDCB-9B46-9409-1B0530C32638}" type="datetime2">
               <a:rPr lang="it-IT" smtClean="0"/>
-              <a:t>Mercoledì 13 maggio 15</a:t>
+              <a:t>Giovedì 14 maggio 15</a:t>
             </a:fld>
             <a:endParaRPr lang="en-US"/>
           </a:p>
@@ -1550,7 +1550,7 @@
           <a:p>
             <a:fld id="{B78AC4AB-2FD3-2D43-A6FE-0D125A9C2E26}" type="datetime2">
               <a:rPr lang="it-IT" smtClean="0"/>
-              <a:t>Mercoledì 13 maggio 15</a:t>
+              <a:t>Giovedì 14 maggio 15</a:t>
             </a:fld>
             <a:endParaRPr lang="en-US"/>
           </a:p>
@@ -1800,7 +1800,7 @@
           <a:p>
             <a:fld id="{F0268C17-18B5-1944-AFB7-FCCA49674F5D}" type="datetime2">
               <a:rPr lang="it-IT" smtClean="0"/>
-              <a:t>Mercoledì 13 maggio 15</a:t>
+              <a:t>Giovedì 14 maggio 15</a:t>
             </a:fld>
             <a:endParaRPr lang="en-US"/>
           </a:p>
@@ -2120,7 +2120,7 @@
           <a:p>
             <a:fld id="{54DB63B3-856A-7B40-BBE4-C6EFD2554EB9}" type="datetime2">
               <a:rPr lang="it-IT" smtClean="0"/>
-              <a:t>Mercoledì 13 maggio 15</a:t>
+              <a:t>Giovedì 14 maggio 15</a:t>
             </a:fld>
             <a:endParaRPr lang="en-US"/>
           </a:p>
@@ -2588,7 +2588,7 @@
           <a:p>
             <a:fld id="{EEA2D106-3CA6-3949-8149-CA34BD0FA418}" type="datetime2">
               <a:rPr lang="it-IT" smtClean="0"/>
-              <a:t>Mercoledì 13 maggio 15</a:t>
+              <a:t>Giovedì 14 maggio 15</a:t>
             </a:fld>
             <a:endParaRPr lang="en-US"/>
           </a:p>
@@ -2738,7 +2738,7 @@
           <a:p>
             <a:fld id="{355234A4-316F-AC4C-AFC4-01E4CB153479}" type="datetime2">
               <a:rPr lang="it-IT" smtClean="0"/>
-              <a:t>Mercoledì 13 maggio 15</a:t>
+              <a:t>Giovedì 14 maggio 15</a:t>
             </a:fld>
             <a:endParaRPr lang="en-US"/>
           </a:p>
@@ -2830,7 +2830,7 @@
           <a:p>
             <a:fld id="{01F8EAD8-A7C0-464E-95BA-E3BEEA10CAA6}" type="datetime2">
               <a:rPr lang="it-IT" smtClean="0"/>
-              <a:t>Mercoledì 13 maggio 15</a:t>
+              <a:t>Giovedì 14 maggio 15</a:t>
             </a:fld>
             <a:endParaRPr lang="en-US"/>
           </a:p>
@@ -3106,7 +3106,7 @@
           <a:p>
             <a:fld id="{FE5B6501-4460-DD4C-8B31-81BF494A0EB3}" type="datetime2">
               <a:rPr lang="it-IT" smtClean="0"/>
-              <a:t>Mercoledì 13 maggio 15</a:t>
+              <a:t>Giovedì 14 maggio 15</a:t>
             </a:fld>
             <a:endParaRPr lang="en-US"/>
           </a:p>
@@ -3413,7 +3413,7 @@
           <a:p>
             <a:fld id="{38E019E7-4E35-7444-8C93-CF1EBB54C1BE}" type="datetime2">
               <a:rPr lang="it-IT" smtClean="0"/>
-              <a:t>Mercoledì 13 maggio 15</a:t>
+              <a:t>Giovedì 14 maggio 15</a:t>
             </a:fld>
             <a:endParaRPr lang="en-US"/>
           </a:p>
@@ -3713,7 +3713,7 @@
           <a:p>
             <a:fld id="{EC2D263B-008B-AD43-8412-E0FEC90B2153}" type="datetime2">
               <a:rPr lang="it-IT" smtClean="0"/>
-              <a:t>Mercoledì 13 maggio 15</a:t>
+              <a:t>Giovedì 14 maggio 15</a:t>
             </a:fld>
             <a:endParaRPr lang="en-US" dirty="0"/>
           </a:p>
@@ -4212,7 +4212,7 @@
         <p:spPr>
           <a:xfrm>
             <a:off x="371918" y="4940691"/>
-            <a:ext cx="2422020" cy="307777"/>
+            <a:ext cx="4255604" cy="307777"/>
           </a:xfrm>
           <a:prstGeom prst="rect">
             <a:avLst/>
@@ -4230,7 +4230,21 @@
                 <a:latin typeface="Calibri"/>
                 <a:cs typeface="Calibri"/>
               </a:rPr>
-              <a:t>Progetto di Ricerca Operativa</a:t>
+              <a:t>Progetto di Ricerca </a:t>
+            </a:r>
+            <a:r>
+              <a:rPr lang="it-IT" sz="1400" i="1" dirty="0" smtClean="0">
+                <a:latin typeface="Calibri"/>
+                <a:cs typeface="Calibri"/>
+              </a:rPr>
+              <a:t>Operativa, Prof. Maddalena </a:t>
+            </a:r>
+            <a:r>
+              <a:rPr lang="it-IT" sz="1400" i="1" dirty="0" err="1" smtClean="0">
+                <a:latin typeface="Calibri"/>
+                <a:cs typeface="Calibri"/>
+              </a:rPr>
+              <a:t>Nonato</a:t>
             </a:r>
             <a:endParaRPr lang="it-IT" sz="1400" i="1" dirty="0">
               <a:latin typeface="Calibri"/>
@@ -4277,8 +4291,8 @@
         </p:nvSpPr>
         <p:spPr>
           <a:xfrm>
-            <a:off x="6810030" y="5038753"/>
-            <a:ext cx="1833041" cy="1077218"/>
+            <a:off x="6845997" y="5038753"/>
+            <a:ext cx="1797074" cy="1077218"/>
           </a:xfrm>
           <a:prstGeom prst="rect">
             <a:avLst/>
@@ -4297,7 +4311,14 @@
                 <a:latin typeface="Calibri"/>
                 <a:cs typeface="Calibri"/>
               </a:rPr>
-              <a:t>Luca Gentilini</a:t>
+              <a:t>Luca </a:t>
+            </a:r>
+            <a:r>
+              <a:rPr lang="it-IT" sz="1600" i="1" dirty="0" smtClean="0">
+                <a:latin typeface="Calibri"/>
+                <a:cs typeface="Calibri"/>
+              </a:rPr>
+              <a:t>Gentilini</a:t>
             </a:r>
           </a:p>
           <a:p>

--- a/Presentazione.pptx
+++ b/Presentazione.pptx
@@ -4230,14 +4230,7 @@
                 <a:latin typeface="Calibri"/>
                 <a:cs typeface="Calibri"/>
               </a:rPr>
-              <a:t>Progetto di Ricerca </a:t>
-            </a:r>
-            <a:r>
-              <a:rPr lang="it-IT" sz="1400" i="1" dirty="0" smtClean="0">
-                <a:latin typeface="Calibri"/>
-                <a:cs typeface="Calibri"/>
-              </a:rPr>
-              <a:t>Operativa, Prof. Maddalena </a:t>
+              <a:t>Progetto di Ricerca Operativa, Prof. Maddalena </a:t>
             </a:r>
             <a:r>
               <a:rPr lang="it-IT" sz="1400" i="1" dirty="0" err="1" smtClean="0">
@@ -4311,14 +4304,7 @@
                 <a:latin typeface="Calibri"/>
                 <a:cs typeface="Calibri"/>
               </a:rPr>
-              <a:t>Luca </a:t>
-            </a:r>
-            <a:r>
-              <a:rPr lang="it-IT" sz="1600" i="1" dirty="0" smtClean="0">
-                <a:latin typeface="Calibri"/>
-                <a:cs typeface="Calibri"/>
-              </a:rPr>
-              <a:t>Gentilini</a:t>
+              <a:t>Luca Gentilini</a:t>
             </a:r>
           </a:p>
           <a:p>
@@ -4520,89 +4506,131 @@
               <a:t>ogni supermercato </a:t>
             </a:r>
             <a:r>
+              <a:rPr lang="it-IT" sz="1900" dirty="0" smtClean="0">
+                <a:latin typeface="Calibri"/>
+                <a:cs typeface="Calibri"/>
+              </a:rPr>
+              <a:t>h </a:t>
+            </a:r>
+            <a:r>
+              <a:rPr lang="it-IT" sz="1900" smtClean="0">
+                <a:latin typeface="Calibri"/>
+                <a:cs typeface="Calibri"/>
+                <a:sym typeface="Symbol"/>
+              </a:rPr>
+              <a:t> </a:t>
+            </a:r>
+            <a:r>
+              <a:rPr lang="it-IT" sz="1900" smtClean="0">
+                <a:latin typeface="Calibri"/>
+                <a:cs typeface="Calibri"/>
+              </a:rPr>
+              <a:t>K = {</a:t>
+            </a:r>
+            <a:r>
+              <a:rPr lang="it-IT" sz="1900" dirty="0">
+                <a:latin typeface="Calibri"/>
+                <a:cs typeface="Calibri"/>
+              </a:rPr>
+              <a:t>1..k} è</a:t>
+            </a:r>
+            <a:r>
+              <a:rPr lang="it-IT" sz="1900" dirty="0" smtClean="0">
+                <a:latin typeface="Calibri"/>
+                <a:cs typeface="Calibri"/>
+              </a:rPr>
+              <a:t> </a:t>
+            </a:r>
+            <a:r>
+              <a:rPr lang="it-IT" sz="1900" dirty="0">
+                <a:latin typeface="Calibri"/>
+                <a:cs typeface="Calibri"/>
+              </a:rPr>
+              <a:t>noto il livello delle scorte </a:t>
+            </a:r>
+            <a:r>
               <a:rPr lang="it-IT" sz="1900" dirty="0" err="1">
                 <a:latin typeface="Calibri"/>
                 <a:cs typeface="Calibri"/>
               </a:rPr>
-              <a:t>h</a:t>
+              <a:t>s</a:t>
+            </a:r>
+            <a:r>
+              <a:rPr lang="it-IT" sz="1900" baseline="-25000" dirty="0" err="1">
+                <a:latin typeface="Calibri"/>
+                <a:cs typeface="Calibri"/>
+              </a:rPr>
+              <a:t>ht</a:t>
+            </a:r>
+            <a:r>
+              <a:rPr lang="it-IT" sz="1900" dirty="0">
+                <a:latin typeface="Calibri"/>
+                <a:cs typeface="Calibri"/>
+              </a:rPr>
+              <a:t> a inizio periodo (</a:t>
+            </a:r>
+            <a:r>
+              <a:rPr lang="it-IT" sz="1900" dirty="0" smtClean="0">
+                <a:latin typeface="Calibri"/>
+                <a:cs typeface="Calibri"/>
+              </a:rPr>
+              <a:t>t = 1</a:t>
+            </a:r>
+            <a:r>
+              <a:rPr lang="it-IT" sz="1900" dirty="0">
+                <a:latin typeface="Calibri"/>
+                <a:cs typeface="Calibri"/>
+              </a:rPr>
+              <a:t>) e il consumo </a:t>
             </a:r>
             <a:r>
               <a:rPr lang="it-IT" sz="1900" dirty="0" err="1">
                 <a:latin typeface="Calibri"/>
                 <a:cs typeface="Calibri"/>
-                <a:sym typeface="Symbol"/>
-              </a:rPr>
-              <a:t></a:t>
-            </a:r>
-            <a:r>
-              <a:rPr lang="it-IT" sz="1900" dirty="0" err="1">
-                <a:latin typeface="Calibri"/>
-                <a:cs typeface="Calibri"/>
-              </a:rPr>
-              <a:t>K</a:t>
+              </a:rPr>
+              <a:t>q</a:t>
+            </a:r>
+            <a:r>
+              <a:rPr lang="it-IT" sz="1900" baseline="-25000" dirty="0" err="1">
+                <a:latin typeface="Calibri"/>
+                <a:cs typeface="Calibri"/>
+              </a:rPr>
+              <a:t>ht</a:t>
             </a:r>
             <a:r>
               <a:rPr lang="it-IT" sz="1900" dirty="0">
                 <a:latin typeface="Calibri"/>
                 <a:cs typeface="Calibri"/>
               </a:rPr>
-              <a:t>={1..k} è</a:t>
+              <a:t> per ogni periodo </a:t>
             </a:r>
             <a:r>
               <a:rPr lang="it-IT" sz="1900" dirty="0" smtClean="0">
                 <a:latin typeface="Calibri"/>
                 <a:cs typeface="Calibri"/>
               </a:rPr>
-              <a:t> </a:t>
+              <a:t>t = 1</a:t>
             </a:r>
             <a:r>
               <a:rPr lang="it-IT" sz="1900" dirty="0">
                 <a:latin typeface="Calibri"/>
                 <a:cs typeface="Calibri"/>
               </a:rPr>
-              <a:t>noto il livello delle scorte </a:t>
-            </a:r>
-            <a:r>
-              <a:rPr lang="it-IT" sz="1900" dirty="0" err="1">
-                <a:latin typeface="Calibri"/>
-                <a:cs typeface="Calibri"/>
-              </a:rPr>
-              <a:t>s</a:t>
-            </a:r>
-            <a:r>
-              <a:rPr lang="it-IT" sz="1900" baseline="-25000" dirty="0" err="1">
-                <a:latin typeface="Calibri"/>
-                <a:cs typeface="Calibri"/>
-              </a:rPr>
-              <a:t>ht</a:t>
+              <a:t>..T. Al termine di ogni periodo </a:t>
+            </a:r>
+            <a:r>
+              <a:rPr lang="it-IT" sz="1900" dirty="0" smtClean="0">
+                <a:latin typeface="Calibri"/>
+                <a:cs typeface="Calibri"/>
+              </a:rPr>
+              <a:t>t &gt; 1 </a:t>
             </a:r>
             <a:r>
               <a:rPr lang="it-IT" sz="1900" dirty="0">
                 <a:latin typeface="Calibri"/>
                 <a:cs typeface="Calibri"/>
               </a:rPr>
-              <a:t> a inizio periodo (t=1) e il consumo </a:t>
-            </a:r>
-            <a:r>
-              <a:rPr lang="it-IT" sz="1900" dirty="0" err="1">
-                <a:latin typeface="Calibri"/>
-                <a:cs typeface="Calibri"/>
-              </a:rPr>
-              <a:t>q</a:t>
-            </a:r>
-            <a:r>
-              <a:rPr lang="it-IT" sz="1900" baseline="-25000" dirty="0" err="1">
-                <a:latin typeface="Calibri"/>
-                <a:cs typeface="Calibri"/>
-              </a:rPr>
-              <a:t>ht</a:t>
-            </a:r>
-            <a:r>
-              <a:rPr lang="it-IT" sz="1900" dirty="0">
-                <a:latin typeface="Calibri"/>
-                <a:cs typeface="Calibri"/>
-              </a:rPr>
-              <a:t> per ogni periodo t=1..T. Al termine di ogni periodo t&gt;1 il livello delle scorte di ogni supermercato </a:t>
+              <a:t>il livello delle scorte di ogni supermercato </a:t>
             </a:r>
             <a:r>
               <a:rPr lang="it-IT" sz="1900" dirty="0" err="1">
@@ -4764,22 +4792,22 @@
               <a:t> </a:t>
             </a:r>
             <a:r>
-              <a:rPr lang="it-IT" sz="1900" dirty="0" err="1">
-                <a:latin typeface="Calibri"/>
-                <a:cs typeface="Calibri"/>
-              </a:rPr>
-              <a:t>t</a:t>
-            </a:r>
-            <a:r>
-              <a:rPr lang="it-IT" sz="1900" dirty="0" err="1">
+              <a:rPr lang="it-IT" sz="1900" dirty="0" smtClean="0">
+                <a:latin typeface="Calibri"/>
+                <a:cs typeface="Calibri"/>
+              </a:rPr>
+              <a:t>t </a:t>
+            </a:r>
+            <a:r>
+              <a:rPr lang="it-IT" sz="1900" dirty="0" smtClean="0">
                 <a:latin typeface="Calibri"/>
                 <a:cs typeface="Calibri"/>
                 <a:sym typeface="Symbol"/>
               </a:rPr>
-              <a:t></a:t>
-            </a:r>
-            <a:r>
-              <a:rPr lang="it-IT" sz="1900" dirty="0" err="1">
+              <a:t> </a:t>
+            </a:r>
+            <a:r>
+              <a:rPr lang="it-IT" sz="1900" dirty="0" smtClean="0">
                 <a:latin typeface="Calibri"/>
                 <a:cs typeface="Calibri"/>
               </a:rPr>
@@ -5047,22 +5075,22 @@
               <a:t> </a:t>
             </a:r>
             <a:r>
-              <a:rPr lang="it-IT" sz="1900" dirty="0" err="1">
-                <a:latin typeface="Calibri"/>
-                <a:cs typeface="Calibri"/>
-              </a:rPr>
-              <a:t>t</a:t>
-            </a:r>
-            <a:r>
-              <a:rPr lang="it-IT" sz="1900" dirty="0" err="1">
+              <a:rPr lang="it-IT" sz="1900" dirty="0" smtClean="0">
+                <a:latin typeface="Calibri"/>
+                <a:cs typeface="Calibri"/>
+              </a:rPr>
+              <a:t>t </a:t>
+            </a:r>
+            <a:r>
+              <a:rPr lang="it-IT" sz="1900" dirty="0" smtClean="0">
                 <a:latin typeface="Calibri"/>
                 <a:cs typeface="Calibri"/>
                 <a:sym typeface="Symbol"/>
               </a:rPr>
-              <a:t></a:t>
-            </a:r>
-            <a:r>
-              <a:rPr lang="it-IT" sz="1900" dirty="0" err="1">
+              <a:t> </a:t>
+            </a:r>
+            <a:r>
+              <a:rPr lang="it-IT" sz="1900" dirty="0" smtClean="0">
                 <a:latin typeface="Calibri"/>
                 <a:cs typeface="Calibri"/>
               </a:rPr>

--- a/Presentazione.pptx
+++ b/Presentazione.pptx
@@ -4513,7 +4513,7 @@
               <a:t>h </a:t>
             </a:r>
             <a:r>
-              <a:rPr lang="it-IT" sz="1900" smtClean="0">
+              <a:rPr lang="it-IT" sz="1900" dirty="0" smtClean="0">
                 <a:latin typeface="Calibri"/>
                 <a:cs typeface="Calibri"/>
                 <a:sym typeface="Symbol"/>
@@ -4521,7 +4521,7 @@
               <a:t> </a:t>
             </a:r>
             <a:r>
-              <a:rPr lang="it-IT" sz="1900" smtClean="0">
+              <a:rPr lang="it-IT" sz="1900" dirty="0" smtClean="0">
                 <a:latin typeface="Calibri"/>
                 <a:cs typeface="Calibri"/>
               </a:rPr>
@@ -4924,17 +4924,24 @@
                 <a:latin typeface="Calibri"/>
                 <a:cs typeface="Calibri"/>
               </a:rPr>
-              <a:t>), il livello delle scorte a fine periodo deve essere uguale a quello iniziale (q</a:t>
-            </a:r>
-            <a:r>
-              <a:rPr lang="it-IT" sz="1900" baseline="-25000" dirty="0">
+              <a:t>), il livello delle scorte a fine periodo deve essere uguale a quello iniziale </a:t>
+            </a:r>
+            <a:r>
+              <a:rPr lang="it-IT" sz="1900" dirty="0" smtClean="0">
+                <a:latin typeface="Calibri"/>
+                <a:cs typeface="Calibri"/>
+              </a:rPr>
+              <a:t>(s</a:t>
+            </a:r>
+            <a:r>
+              <a:rPr lang="it-IT" sz="1900" baseline="-25000" dirty="0" smtClean="0">
                 <a:latin typeface="Calibri"/>
                 <a:cs typeface="Calibri"/>
               </a:rPr>
               <a:t>h1</a:t>
             </a:r>
             <a:r>
-              <a:rPr lang="it-IT" sz="1900" dirty="0">
+              <a:rPr lang="it-IT" sz="1900" dirty="0" smtClean="0">
                 <a:latin typeface="Calibri"/>
                 <a:cs typeface="Calibri"/>
               </a:rPr>
@@ -4948,14 +4955,14 @@
               <a:t>= </a:t>
             </a:r>
             <a:r>
-              <a:rPr lang="it-IT" sz="1900" dirty="0" err="1" smtClean="0">
-                <a:latin typeface="Calibri"/>
-                <a:cs typeface="Calibri"/>
-              </a:rPr>
-              <a:t>q</a:t>
-            </a:r>
-            <a:r>
-              <a:rPr lang="it-IT" sz="1900" baseline="-25000" dirty="0" err="1" smtClean="0">
+              <a:rPr lang="it-IT" sz="1900" dirty="0" err="1">
+                <a:latin typeface="Calibri"/>
+                <a:cs typeface="Calibri"/>
+              </a:rPr>
+              <a:t>s</a:t>
+            </a:r>
+            <a:r>
+              <a:rPr lang="it-IT" sz="1900" baseline="-25000" smtClean="0">
                 <a:latin typeface="Calibri"/>
                 <a:cs typeface="Calibri"/>
               </a:rPr>

--- a/Presentazione.pptx
+++ b/Presentazione.pptx
@@ -5,10 +5,10 @@
     <p:sldMasterId id="2147483960" r:id="rId1"/>
   </p:sldMasterIdLst>
   <p:notesMasterIdLst>
-    <p:notesMasterId r:id="rId7"/>
+    <p:notesMasterId r:id="rId9"/>
   </p:notesMasterIdLst>
   <p:handoutMasterIdLst>
-    <p:handoutMasterId r:id="rId8"/>
+    <p:handoutMasterId r:id="rId10"/>
   </p:handoutMasterIdLst>
   <p:sldIdLst>
     <p:sldId id="256" r:id="rId2"/>
@@ -16,6 +16,8 @@
     <p:sldId id="258" r:id="rId4"/>
     <p:sldId id="259" r:id="rId5"/>
     <p:sldId id="260" r:id="rId6"/>
+    <p:sldId id="261" r:id="rId7"/>
+    <p:sldId id="262" r:id="rId8"/>
   </p:sldIdLst>
   <p:sldSz cx="9144000" cy="6858000" type="screen4x3"/>
   <p:notesSz cx="6858000" cy="9144000"/>
@@ -114,6 +116,22 @@
       </a:defRPr>
     </a:lvl9pPr>
   </p:defaultTextStyle>
+  <p:extLst>
+    <p:ext uri="{EFAFB233-063F-42B5-8137-9DF3F51BA10A}">
+      <p15:sldGuideLst xmlns:p15="http://schemas.microsoft.com/office/powerpoint/2012/main">
+        <p15:guide id="1" orient="horz" pos="2160">
+          <p15:clr>
+            <a:srgbClr val="A4A3A4"/>
+          </p15:clr>
+        </p15:guide>
+        <p15:guide id="2" pos="2880">
+          <p15:clr>
+            <a:srgbClr val="A4A3A4"/>
+          </p15:clr>
+        </p15:guide>
+      </p15:sldGuideLst>
+    </p:ext>
+  </p:extLst>
 </p:presentation>
 </file>
 
@@ -199,7 +217,7 @@
           <a:p>
             <a:fld id="{4624264E-50DD-D54C-AAAF-67A8456992DE}" type="datetime1">
               <a:rPr lang="it-IT" smtClean="0"/>
-              <a:t>14/05/15</a:t>
+              <a:t>15/05/2015</a:t>
             </a:fld>
             <a:endParaRPr lang="it-IT"/>
           </a:p>
@@ -265,7 +283,7 @@
           <a:p>
             <a:fld id="{C23677C6-BED1-F44B-890A-ACB0B6E2FC34}" type="slidenum">
               <a:rPr lang="it-IT" smtClean="0"/>
-              <a:t>‹n.›</a:t>
+              <a:t>‹N›</a:t>
             </a:fld>
             <a:endParaRPr lang="it-IT"/>
           </a:p>
@@ -365,7 +383,7 @@
           <a:p>
             <a:fld id="{EA8D28A1-7223-ED45-AEBF-632395B6C05F}" type="datetime1">
               <a:rPr lang="it-IT" smtClean="0"/>
-              <a:t>14/05/15</a:t>
+              <a:t>15/05/2015</a:t>
             </a:fld>
             <a:endParaRPr lang="it-IT"/>
           </a:p>
@@ -524,7 +542,7 @@
           <a:p>
             <a:fld id="{1F5F9160-8363-1940-88B3-41DE1F871672}" type="slidenum">
               <a:rPr lang="it-IT" smtClean="0"/>
-              <a:t>‹n.›</a:t>
+              <a:t>‹N›</a:t>
             </a:fld>
             <a:endParaRPr lang="it-IT"/>
           </a:p>
@@ -1004,7 +1022,7 @@
           <a:p>
             <a:fld id="{0C50A308-D742-524A-A855-B3EBC452EA00}" type="datetime2">
               <a:rPr lang="it-IT" smtClean="0"/>
-              <a:t>Giovedì 14 maggio 15</a:t>
+              <a:t>venerdì 15 maggio 2015</a:t>
             </a:fld>
             <a:endParaRPr lang="en-US"/>
           </a:p>
@@ -1048,7 +1066,7 @@
             <a:fld id="{0CFEC368-1D7A-4F81-ABF6-AE0E36BAF64C}" type="slidenum">
               <a:rPr lang="en-US" smtClean="0"/>
               <a:pPr/>
-              <a:t>‹n.›</a:t>
+              <a:t>‹N›</a:t>
             </a:fld>
             <a:endParaRPr lang="en-US"/>
           </a:p>
@@ -1206,7 +1224,7 @@
           <a:p>
             <a:fld id="{F4C5D137-08EA-C34E-BDC0-7A6898CB95B0}" type="datetime2">
               <a:rPr lang="it-IT" smtClean="0"/>
-              <a:t>Giovedì 14 maggio 15</a:t>
+              <a:t>venerdì 15 maggio 2015</a:t>
             </a:fld>
             <a:endParaRPr lang="en-US"/>
           </a:p>
@@ -1250,7 +1268,7 @@
             <a:fld id="{0CFEC368-1D7A-4F81-ABF6-AE0E36BAF64C}" type="slidenum">
               <a:rPr lang="en-US" smtClean="0"/>
               <a:pPr/>
-              <a:t>‹n.›</a:t>
+              <a:t>‹N›</a:t>
             </a:fld>
             <a:endParaRPr lang="en-US"/>
           </a:p>
@@ -1383,7 +1401,7 @@
           <a:p>
             <a:fld id="{DB457F55-DDCB-9B46-9409-1B0530C32638}" type="datetime2">
               <a:rPr lang="it-IT" smtClean="0"/>
-              <a:t>Giovedì 14 maggio 15</a:t>
+              <a:t>venerdì 15 maggio 2015</a:t>
             </a:fld>
             <a:endParaRPr lang="en-US"/>
           </a:p>
@@ -1427,7 +1445,7 @@
             <a:fld id="{0CFEC368-1D7A-4F81-ABF6-AE0E36BAF64C}" type="slidenum">
               <a:rPr lang="en-US" smtClean="0"/>
               <a:pPr/>
-              <a:t>‹n.›</a:t>
+              <a:t>‹N›</a:t>
             </a:fld>
             <a:endParaRPr lang="en-US"/>
           </a:p>
@@ -1550,7 +1568,7 @@
           <a:p>
             <a:fld id="{B78AC4AB-2FD3-2D43-A6FE-0D125A9C2E26}" type="datetime2">
               <a:rPr lang="it-IT" smtClean="0"/>
-              <a:t>Giovedì 14 maggio 15</a:t>
+              <a:t>venerdì 15 maggio 2015</a:t>
             </a:fld>
             <a:endParaRPr lang="en-US"/>
           </a:p>
@@ -1594,7 +1612,7 @@
             <a:fld id="{0CFEC368-1D7A-4F81-ABF6-AE0E36BAF64C}" type="slidenum">
               <a:rPr lang="en-US" smtClean="0"/>
               <a:pPr/>
-              <a:t>‹n.›</a:t>
+              <a:t>‹N›</a:t>
             </a:fld>
             <a:endParaRPr lang="en-US"/>
           </a:p>
@@ -1800,7 +1818,7 @@
           <a:p>
             <a:fld id="{F0268C17-18B5-1944-AFB7-FCCA49674F5D}" type="datetime2">
               <a:rPr lang="it-IT" smtClean="0"/>
-              <a:t>Giovedì 14 maggio 15</a:t>
+              <a:t>venerdì 15 maggio 2015</a:t>
             </a:fld>
             <a:endParaRPr lang="en-US"/>
           </a:p>
@@ -1844,7 +1862,7 @@
             <a:fld id="{0CFEC368-1D7A-4F81-ABF6-AE0E36BAF64C}" type="slidenum">
               <a:rPr lang="en-US" smtClean="0"/>
               <a:pPr/>
-              <a:t>‹n.›</a:t>
+              <a:t>‹N›</a:t>
             </a:fld>
             <a:endParaRPr lang="en-US"/>
           </a:p>
@@ -2120,7 +2138,7 @@
           <a:p>
             <a:fld id="{54DB63B3-856A-7B40-BBE4-C6EFD2554EB9}" type="datetime2">
               <a:rPr lang="it-IT" smtClean="0"/>
-              <a:t>Giovedì 14 maggio 15</a:t>
+              <a:t>venerdì 15 maggio 2015</a:t>
             </a:fld>
             <a:endParaRPr lang="en-US"/>
           </a:p>
@@ -2164,7 +2182,7 @@
             <a:fld id="{0CFEC368-1D7A-4F81-ABF6-AE0E36BAF64C}" type="slidenum">
               <a:rPr lang="en-US" smtClean="0"/>
               <a:pPr/>
-              <a:t>‹n.›</a:t>
+              <a:t>‹N›</a:t>
             </a:fld>
             <a:endParaRPr lang="en-US"/>
           </a:p>
@@ -2588,7 +2606,7 @@
           <a:p>
             <a:fld id="{EEA2D106-3CA6-3949-8149-CA34BD0FA418}" type="datetime2">
               <a:rPr lang="it-IT" smtClean="0"/>
-              <a:t>Giovedì 14 maggio 15</a:t>
+              <a:t>venerdì 15 maggio 2015</a:t>
             </a:fld>
             <a:endParaRPr lang="en-US"/>
           </a:p>
@@ -2632,7 +2650,7 @@
             <a:fld id="{0CFEC368-1D7A-4F81-ABF6-AE0E36BAF64C}" type="slidenum">
               <a:rPr lang="en-US" smtClean="0"/>
               <a:pPr/>
-              <a:t>‹n.›</a:t>
+              <a:t>‹N›</a:t>
             </a:fld>
             <a:endParaRPr lang="en-US"/>
           </a:p>
@@ -2738,7 +2756,7 @@
           <a:p>
             <a:fld id="{355234A4-316F-AC4C-AFC4-01E4CB153479}" type="datetime2">
               <a:rPr lang="it-IT" smtClean="0"/>
-              <a:t>Giovedì 14 maggio 15</a:t>
+              <a:t>venerdì 15 maggio 2015</a:t>
             </a:fld>
             <a:endParaRPr lang="en-US"/>
           </a:p>
@@ -2782,7 +2800,7 @@
             <a:fld id="{0CFEC368-1D7A-4F81-ABF6-AE0E36BAF64C}" type="slidenum">
               <a:rPr lang="en-US" smtClean="0"/>
               <a:pPr/>
-              <a:t>‹n.›</a:t>
+              <a:t>‹N›</a:t>
             </a:fld>
             <a:endParaRPr lang="en-US"/>
           </a:p>
@@ -2830,7 +2848,7 @@
           <a:p>
             <a:fld id="{01F8EAD8-A7C0-464E-95BA-E3BEEA10CAA6}" type="datetime2">
               <a:rPr lang="it-IT" smtClean="0"/>
-              <a:t>Giovedì 14 maggio 15</a:t>
+              <a:t>venerdì 15 maggio 2015</a:t>
             </a:fld>
             <a:endParaRPr lang="en-US"/>
           </a:p>
@@ -2874,7 +2892,7 @@
             <a:fld id="{0CFEC368-1D7A-4F81-ABF6-AE0E36BAF64C}" type="slidenum">
               <a:rPr lang="en-US" smtClean="0"/>
               <a:pPr/>
-              <a:t>‹n.›</a:t>
+              <a:t>‹N›</a:t>
             </a:fld>
             <a:endParaRPr lang="en-US"/>
           </a:p>
@@ -3106,7 +3124,7 @@
           <a:p>
             <a:fld id="{FE5B6501-4460-DD4C-8B31-81BF494A0EB3}" type="datetime2">
               <a:rPr lang="it-IT" smtClean="0"/>
-              <a:t>Giovedì 14 maggio 15</a:t>
+              <a:t>venerdì 15 maggio 2015</a:t>
             </a:fld>
             <a:endParaRPr lang="en-US"/>
           </a:p>
@@ -3150,7 +3168,7 @@
             <a:fld id="{0CFEC368-1D7A-4F81-ABF6-AE0E36BAF64C}" type="slidenum">
               <a:rPr lang="en-US" smtClean="0"/>
               <a:pPr/>
-              <a:t>‹n.›</a:t>
+              <a:t>‹N›</a:t>
             </a:fld>
             <a:endParaRPr lang="en-US"/>
           </a:p>
@@ -3413,7 +3431,7 @@
           <a:p>
             <a:fld id="{38E019E7-4E35-7444-8C93-CF1EBB54C1BE}" type="datetime2">
               <a:rPr lang="it-IT" smtClean="0"/>
-              <a:t>Giovedì 14 maggio 15</a:t>
+              <a:t>venerdì 15 maggio 2015</a:t>
             </a:fld>
             <a:endParaRPr lang="en-US"/>
           </a:p>
@@ -3457,7 +3475,7 @@
             <a:fld id="{0CFEC368-1D7A-4F81-ABF6-AE0E36BAF64C}" type="slidenum">
               <a:rPr lang="en-US" smtClean="0"/>
               <a:pPr/>
-              <a:t>‹n.›</a:t>
+              <a:t>‹N›</a:t>
             </a:fld>
             <a:endParaRPr lang="en-US"/>
           </a:p>
@@ -3713,7 +3731,7 @@
           <a:p>
             <a:fld id="{EC2D263B-008B-AD43-8412-E0FEC90B2153}" type="datetime2">
               <a:rPr lang="it-IT" smtClean="0"/>
-              <a:t>Giovedì 14 maggio 15</a:t>
+              <a:t>venerdì 15 maggio 2015</a:t>
             </a:fld>
             <a:endParaRPr lang="en-US" dirty="0"/>
           </a:p>
@@ -3789,7 +3807,7 @@
             <a:fld id="{0CFEC368-1D7A-4F81-ABF6-AE0E36BAF64C}" type="slidenum">
               <a:rPr lang="en-US" smtClean="0"/>
               <a:pPr/>
-              <a:t>‹n.›</a:t>
+              <a:t>‹N›</a:t>
             </a:fld>
             <a:endParaRPr lang="en-US" dirty="0"/>
           </a:p>
@@ -4367,7 +4385,7 @@
   <p:timing>
     <p:tnLst>
       <p:par>
-        <p:cTn xmlns:p14="http://schemas.microsoft.com/office/powerpoint/2010/main" id="1" dur="indefinite" restart="never" nodeType="tmRoot"/>
+        <p:cTn id="1" dur="indefinite" restart="never" nodeType="tmRoot"/>
       </p:par>
     </p:tnLst>
   </p:timing>
@@ -4945,14 +4963,7 @@
                 <a:latin typeface="Calibri"/>
                 <a:cs typeface="Calibri"/>
               </a:rPr>
-              <a:t> </a:t>
-            </a:r>
-            <a:r>
-              <a:rPr lang="it-IT" sz="1900" dirty="0" smtClean="0">
-                <a:latin typeface="Calibri"/>
-                <a:cs typeface="Calibri"/>
-              </a:rPr>
-              <a:t>= </a:t>
+              <a:t> = </a:t>
             </a:r>
             <a:r>
               <a:rPr lang="it-IT" sz="1900" dirty="0" err="1">
@@ -5174,7 +5185,7 @@
   <p:timing>
     <p:tnLst>
       <p:par>
-        <p:cTn xmlns:p14="http://schemas.microsoft.com/office/powerpoint/2010/main" id="1" dur="indefinite" restart="never" nodeType="tmRoot"/>
+        <p:cTn id="1" dur="indefinite" restart="never" nodeType="tmRoot"/>
       </p:par>
     </p:tnLst>
   </p:timing>
@@ -5307,7 +5318,7 @@
   <p:timing>
     <p:tnLst>
       <p:par>
-        <p:cTn xmlns:p14="http://schemas.microsoft.com/office/powerpoint/2010/main" id="1" dur="indefinite" restart="never" nodeType="tmRoot">
+        <p:cTn id="1" dur="indefinite" restart="never" nodeType="tmRoot">
           <p:childTnLst>
             <p:seq concurrent="1" nextAc="seek">
               <p:cTn id="2" dur="indefinite" nodeType="mainSeq">
@@ -5670,7 +5681,7 @@
   <p:timing>
     <p:tnLst>
       <p:par>
-        <p:cTn xmlns:p14="http://schemas.microsoft.com/office/powerpoint/2010/main" id="1" dur="indefinite" restart="never" nodeType="tmRoot"/>
+        <p:cTn id="1" dur="indefinite" restart="never" nodeType="tmRoot"/>
       </p:par>
     </p:tnLst>
   </p:timing>
@@ -5760,6 +5771,739 @@
           </a:p>
         </p:txBody>
       </p:sp>
+      <mc:AlternateContent xmlns:mc="http://schemas.openxmlformats.org/markup-compatibility/2006">
+        <mc:Choice xmlns:a14="http://schemas.microsoft.com/office/drawing/2010/main" Requires="a14">
+          <p:sp>
+            <p:nvSpPr>
+              <p:cNvPr id="3" name="Rettangolo 2"/>
+              <p:cNvSpPr/>
+              <p:nvPr/>
+            </p:nvSpPr>
+            <p:spPr>
+              <a:xfrm>
+                <a:off x="502380" y="1684949"/>
+                <a:ext cx="2122056" cy="984052"/>
+              </a:xfrm>
+              <a:prstGeom prst="rect">
+                <a:avLst/>
+              </a:prstGeom>
+            </p:spPr>
+            <p:txBody>
+              <a:bodyPr wrap="none">
+                <a:spAutoFit/>
+              </a:bodyPr>
+              <a:lstStyle/>
+              <a:p>
+                <a14:m>
+                  <m:oMathPara xmlns:m="http://schemas.openxmlformats.org/officeDocument/2006/math">
+                    <m:oMathParaPr>
+                      <m:jc m:val="centerGroup"/>
+                    </m:oMathParaPr>
+                    <m:oMath xmlns:m="http://schemas.openxmlformats.org/officeDocument/2006/math">
+                      <m:r>
+                        <a:rPr lang="it-IT" i="1">
+                          <a:latin typeface="Cambria Math" panose="02040503050406030204" pitchFamily="18" charset="0"/>
+                        </a:rPr>
+                        <m:t>𝑀𝑖𝑛</m:t>
+                      </m:r>
+                      <m:r>
+                        <a:rPr lang="it-IT" i="0">
+                          <a:latin typeface="Cambria Math" panose="02040503050406030204" pitchFamily="18" charset="0"/>
+                        </a:rPr>
+                        <m:t> </m:t>
+                      </m:r>
+                      <m:d>
+                        <m:dPr>
+                          <m:ctrlPr>
+                            <a:rPr lang="it-IT" i="1">
+                              <a:latin typeface="Cambria Math" panose="02040503050406030204" pitchFamily="18" charset="0"/>
+                            </a:rPr>
+                          </m:ctrlPr>
+                        </m:dPr>
+                        <m:e>
+                          <m:nary>
+                            <m:naryPr>
+                              <m:chr m:val="∑"/>
+                              <m:limLoc m:val="undOvr"/>
+                              <m:ctrlPr>
+                                <a:rPr lang="it-IT" i="1">
+                                  <a:latin typeface="Cambria Math" panose="02040503050406030204" pitchFamily="18" charset="0"/>
+                                </a:rPr>
+                              </m:ctrlPr>
+                            </m:naryPr>
+                            <m:sub>
+                              <m:r>
+                                <a:rPr lang="it-IT" i="1">
+                                  <a:latin typeface="Cambria Math" panose="02040503050406030204" pitchFamily="18" charset="0"/>
+                                </a:rPr>
+                                <m:t>𝑡</m:t>
+                              </m:r>
+                              <m:r>
+                                <a:rPr lang="it-IT" i="0">
+                                  <a:latin typeface="Cambria Math" panose="02040503050406030204" pitchFamily="18" charset="0"/>
+                                </a:rPr>
+                                <m:t>=1</m:t>
+                              </m:r>
+                            </m:sub>
+                            <m:sup>
+                              <m:r>
+                                <a:rPr lang="it-IT" i="1">
+                                  <a:latin typeface="Cambria Math" panose="02040503050406030204" pitchFamily="18" charset="0"/>
+                                </a:rPr>
+                                <m:t>𝑇</m:t>
+                              </m:r>
+                            </m:sup>
+                            <m:e>
+                              <m:nary>
+                                <m:naryPr>
+                                  <m:chr m:val="∑"/>
+                                  <m:limLoc m:val="undOvr"/>
+                                  <m:ctrlPr>
+                                    <a:rPr lang="it-IT" i="1">
+                                      <a:latin typeface="Cambria Math" panose="02040503050406030204" pitchFamily="18" charset="0"/>
+                                    </a:rPr>
+                                  </m:ctrlPr>
+                                </m:naryPr>
+                                <m:sub>
+                                  <m:r>
+                                    <a:rPr lang="it-IT" i="1">
+                                      <a:latin typeface="Cambria Math" panose="02040503050406030204" pitchFamily="18" charset="0"/>
+                                    </a:rPr>
+                                    <m:t>h</m:t>
+                                  </m:r>
+                                  <m:r>
+                                    <a:rPr lang="it-IT" i="0">
+                                      <a:latin typeface="Cambria Math" panose="02040503050406030204" pitchFamily="18" charset="0"/>
+                                    </a:rPr>
+                                    <m:t>=1</m:t>
+                                  </m:r>
+                                </m:sub>
+                                <m:sup>
+                                  <m:r>
+                                    <a:rPr lang="it-IT" i="1">
+                                      <a:latin typeface="Cambria Math" panose="02040503050406030204" pitchFamily="18" charset="0"/>
+                                    </a:rPr>
+                                    <m:t>𝐾</m:t>
+                                  </m:r>
+                                </m:sup>
+                                <m:e>
+                                  <m:sSub>
+                                    <m:sSubPr>
+                                      <m:ctrlPr>
+                                        <a:rPr lang="it-IT" i="1">
+                                          <a:latin typeface="Cambria Math" panose="02040503050406030204" pitchFamily="18" charset="0"/>
+                                        </a:rPr>
+                                      </m:ctrlPr>
+                                    </m:sSubPr>
+                                    <m:e>
+                                      <m:r>
+                                        <a:rPr lang="it-IT" i="1">
+                                          <a:latin typeface="Cambria Math" panose="02040503050406030204" pitchFamily="18" charset="0"/>
+                                        </a:rPr>
+                                        <m:t>𝑧</m:t>
+                                      </m:r>
+                                    </m:e>
+                                    <m:sub>
+                                      <m:r>
+                                        <a:rPr lang="it-IT" i="1">
+                                          <a:latin typeface="Cambria Math" panose="02040503050406030204" pitchFamily="18" charset="0"/>
+                                        </a:rPr>
+                                        <m:t>h𝑡</m:t>
+                                      </m:r>
+                                    </m:sub>
+                                  </m:sSub>
+                                </m:e>
+                              </m:nary>
+                            </m:e>
+                          </m:nary>
+                        </m:e>
+                      </m:d>
+                      <m:r>
+                        <a:rPr lang="it-IT" i="0">
+                          <a:latin typeface="Cambria Math" panose="02040503050406030204" pitchFamily="18" charset="0"/>
+                        </a:rPr>
+                        <m:t> </m:t>
+                      </m:r>
+                    </m:oMath>
+                  </m:oMathPara>
+                </a14:m>
+                <a:endParaRPr lang="it-IT" dirty="0"/>
+              </a:p>
+            </p:txBody>
+          </p:sp>
+        </mc:Choice>
+        <mc:Fallback>
+          <p:sp>
+            <p:nvSpPr>
+              <p:cNvPr id="3" name="Rettangolo 2"/>
+              <p:cNvSpPr>
+                <a:spLocks noRot="1" noChangeAspect="1" noMove="1" noResize="1" noEditPoints="1" noAdjustHandles="1" noChangeArrowheads="1" noChangeShapeType="1" noTextEdit="1"/>
+              </p:cNvSpPr>
+              <p:nvPr/>
+            </p:nvSpPr>
+            <p:spPr>
+              <a:xfrm>
+                <a:off x="502380" y="1684949"/>
+                <a:ext cx="2122056" cy="984052"/>
+              </a:xfrm>
+              <a:prstGeom prst="rect">
+                <a:avLst/>
+              </a:prstGeom>
+              <a:blipFill rotWithShape="0">
+                <a:blip r:embed="rId2"/>
+                <a:stretch>
+                  <a:fillRect/>
+                </a:stretch>
+              </a:blipFill>
+            </p:spPr>
+            <p:txBody>
+              <a:bodyPr/>
+              <a:lstStyle/>
+              <a:p>
+                <a:r>
+                  <a:rPr lang="it-IT">
+                    <a:noFill/>
+                  </a:rPr>
+                  <a:t> </a:t>
+                </a:r>
+              </a:p>
+            </p:txBody>
+          </p:sp>
+        </mc:Fallback>
+      </mc:AlternateContent>
+      <p:sp>
+        <p:nvSpPr>
+          <p:cNvPr id="5" name="CasellaDiTesto 4"/>
+          <p:cNvSpPr txBox="1"/>
+          <p:nvPr/>
+        </p:nvSpPr>
+        <p:spPr>
+          <a:xfrm>
+            <a:off x="3137095" y="2039815"/>
+            <a:ext cx="5549705" cy="646331"/>
+          </a:xfrm>
+          <a:prstGeom prst="rect">
+            <a:avLst/>
+          </a:prstGeom>
+          <a:noFill/>
+        </p:spPr>
+        <p:txBody>
+          <a:bodyPr wrap="square" rtlCol="0">
+            <a:spAutoFit/>
+          </a:bodyPr>
+          <a:lstStyle/>
+          <a:p>
+            <a:r>
+              <a:rPr lang="it-IT" dirty="0" smtClean="0"/>
+              <a:t>Funzione obiettivo: cercare di minimizzare il numero di supermercati visitati per ogni periodo t.</a:t>
+            </a:r>
+            <a:endParaRPr lang="it-IT" dirty="0"/>
+          </a:p>
+        </p:txBody>
+      </p:sp>
+      <mc:AlternateContent xmlns:mc="http://schemas.openxmlformats.org/markup-compatibility/2006">
+        <mc:Choice xmlns:a14="http://schemas.microsoft.com/office/drawing/2010/main" Requires="a14">
+          <p:sp>
+            <p:nvSpPr>
+              <p:cNvPr id="6" name="Rettangolo 5"/>
+              <p:cNvSpPr/>
+              <p:nvPr/>
+            </p:nvSpPr>
+            <p:spPr>
+              <a:xfrm>
+                <a:off x="502380" y="3012175"/>
+                <a:ext cx="1354473" cy="369332"/>
+              </a:xfrm>
+              <a:prstGeom prst="rect">
+                <a:avLst/>
+              </a:prstGeom>
+            </p:spPr>
+            <p:txBody>
+              <a:bodyPr wrap="none">
+                <a:spAutoFit/>
+              </a:bodyPr>
+              <a:lstStyle/>
+              <a:p>
+                <a14:m>
+                  <m:oMathPara xmlns:m="http://schemas.openxmlformats.org/officeDocument/2006/math">
+                    <m:oMathParaPr>
+                      <m:jc m:val="centerGroup"/>
+                    </m:oMathParaPr>
+                    <m:oMath xmlns:m="http://schemas.openxmlformats.org/officeDocument/2006/math">
+                      <m:sSub>
+                        <m:sSubPr>
+                          <m:ctrlPr>
+                            <a:rPr lang="it-IT">
+                              <a:latin typeface="Cambria Math" panose="02040503050406030204" pitchFamily="18" charset="0"/>
+                            </a:rPr>
+                          </m:ctrlPr>
+                        </m:sSubPr>
+                        <m:e>
+                          <m:r>
+                            <a:rPr lang="it-IT" i="1">
+                              <a:latin typeface="Cambria Math" panose="02040503050406030204" pitchFamily="18" charset="0"/>
+                            </a:rPr>
+                            <m:t>𝑧</m:t>
+                          </m:r>
+                        </m:e>
+                        <m:sub>
+                          <m:r>
+                            <a:rPr lang="it-IT" i="1">
+                              <a:latin typeface="Cambria Math" panose="02040503050406030204" pitchFamily="18" charset="0"/>
+                            </a:rPr>
+                            <m:t>h𝑡</m:t>
+                          </m:r>
+                        </m:sub>
+                      </m:sSub>
+                      <m:r>
+                        <a:rPr lang="it-IT" i="0">
+                          <a:latin typeface="Cambria Math" panose="02040503050406030204" pitchFamily="18" charset="0"/>
+                        </a:rPr>
+                        <m:t>∈</m:t>
+                      </m:r>
+                      <m:d>
+                        <m:dPr>
+                          <m:begChr m:val="{"/>
+                          <m:endChr m:val="}"/>
+                          <m:ctrlPr>
+                            <a:rPr lang="it-IT" i="1">
+                              <a:latin typeface="Cambria Math" panose="02040503050406030204" pitchFamily="18" charset="0"/>
+                            </a:rPr>
+                          </m:ctrlPr>
+                        </m:dPr>
+                        <m:e>
+                          <m:r>
+                            <a:rPr lang="it-IT" i="0">
+                              <a:latin typeface="Cambria Math" panose="02040503050406030204" pitchFamily="18" charset="0"/>
+                            </a:rPr>
+                            <m:t>0,1</m:t>
+                          </m:r>
+                        </m:e>
+                      </m:d>
+                      <m:r>
+                        <a:rPr lang="it-IT" i="0">
+                          <a:latin typeface="Cambria Math" panose="02040503050406030204" pitchFamily="18" charset="0"/>
+                        </a:rPr>
+                        <m:t> </m:t>
+                      </m:r>
+                    </m:oMath>
+                  </m:oMathPara>
+                </a14:m>
+                <a:endParaRPr lang="it-IT" dirty="0"/>
+              </a:p>
+            </p:txBody>
+          </p:sp>
+        </mc:Choice>
+        <mc:Fallback>
+          <p:sp>
+            <p:nvSpPr>
+              <p:cNvPr id="6" name="Rettangolo 5"/>
+              <p:cNvSpPr>
+                <a:spLocks noRot="1" noChangeAspect="1" noMove="1" noResize="1" noEditPoints="1" noAdjustHandles="1" noChangeArrowheads="1" noChangeShapeType="1" noTextEdit="1"/>
+              </p:cNvSpPr>
+              <p:nvPr/>
+            </p:nvSpPr>
+            <p:spPr>
+              <a:xfrm>
+                <a:off x="502380" y="3012175"/>
+                <a:ext cx="1354473" cy="369332"/>
+              </a:xfrm>
+              <a:prstGeom prst="rect">
+                <a:avLst/>
+              </a:prstGeom>
+              <a:blipFill rotWithShape="0">
+                <a:blip r:embed="rId3"/>
+                <a:stretch>
+                  <a:fillRect b="-1639"/>
+                </a:stretch>
+              </a:blipFill>
+            </p:spPr>
+            <p:txBody>
+              <a:bodyPr/>
+              <a:lstStyle/>
+              <a:p>
+                <a:r>
+                  <a:rPr lang="it-IT">
+                    <a:noFill/>
+                  </a:rPr>
+                  <a:t> </a:t>
+                </a:r>
+              </a:p>
+            </p:txBody>
+          </p:sp>
+        </mc:Fallback>
+      </mc:AlternateContent>
+      <p:sp>
+        <p:nvSpPr>
+          <p:cNvPr id="7" name="CasellaDiTesto 6"/>
+          <p:cNvSpPr txBox="1"/>
+          <p:nvPr/>
+        </p:nvSpPr>
+        <p:spPr>
+          <a:xfrm>
+            <a:off x="3137095" y="3012175"/>
+            <a:ext cx="5549705" cy="646331"/>
+          </a:xfrm>
+          <a:prstGeom prst="rect">
+            <a:avLst/>
+          </a:prstGeom>
+          <a:noFill/>
+        </p:spPr>
+        <p:txBody>
+          <a:bodyPr wrap="square" rtlCol="0">
+            <a:spAutoFit/>
+          </a:bodyPr>
+          <a:lstStyle/>
+          <a:p>
+            <a:r>
+              <a:rPr lang="it-IT" dirty="0" smtClean="0"/>
+              <a:t>Variabile booleana indica se il camion passa per il supermercato h nel periodo t.</a:t>
+            </a:r>
+            <a:endParaRPr lang="it-IT" dirty="0"/>
+          </a:p>
+        </p:txBody>
+      </p:sp>
+      <mc:AlternateContent xmlns:mc="http://schemas.openxmlformats.org/markup-compatibility/2006">
+        <mc:Choice xmlns:a14="http://schemas.microsoft.com/office/drawing/2010/main" Requires="a14">
+          <p:sp>
+            <p:nvSpPr>
+              <p:cNvPr id="9" name="Rettangolo 8"/>
+              <p:cNvSpPr/>
+              <p:nvPr/>
+            </p:nvSpPr>
+            <p:spPr>
+              <a:xfrm>
+                <a:off x="502380" y="3984535"/>
+                <a:ext cx="1543692" cy="369332"/>
+              </a:xfrm>
+              <a:prstGeom prst="rect">
+                <a:avLst/>
+              </a:prstGeom>
+            </p:spPr>
+            <p:txBody>
+              <a:bodyPr wrap="none">
+                <a:spAutoFit/>
+              </a:bodyPr>
+              <a:lstStyle/>
+              <a:p>
+                <a14:m>
+                  <m:oMathPara xmlns:m="http://schemas.openxmlformats.org/officeDocument/2006/math">
+                    <m:oMathParaPr>
+                      <m:jc m:val="centerGroup"/>
+                    </m:oMathParaPr>
+                    <m:oMath xmlns:m="http://schemas.openxmlformats.org/officeDocument/2006/math">
+                      <m:sSub>
+                        <m:sSubPr>
+                          <m:ctrlPr>
+                            <a:rPr lang="it-IT">
+                              <a:latin typeface="Cambria Math" panose="02040503050406030204" pitchFamily="18" charset="0"/>
+                            </a:rPr>
+                          </m:ctrlPr>
+                        </m:sSubPr>
+                        <m:e>
+                          <m:r>
+                            <a:rPr lang="it-IT" i="1">
+                              <a:latin typeface="Cambria Math" panose="02040503050406030204" pitchFamily="18" charset="0"/>
+                            </a:rPr>
+                            <m:t>𝑥</m:t>
+                          </m:r>
+                        </m:e>
+                        <m:sub>
+                          <m:r>
+                            <a:rPr lang="it-IT" i="1">
+                              <a:latin typeface="Cambria Math" panose="02040503050406030204" pitchFamily="18" charset="0"/>
+                            </a:rPr>
+                            <m:t>h𝑡</m:t>
+                          </m:r>
+                        </m:sub>
+                      </m:sSub>
+                      <m:r>
+                        <a:rPr lang="it-IT" i="0">
+                          <a:latin typeface="Cambria Math" panose="02040503050406030204" pitchFamily="18" charset="0"/>
+                        </a:rPr>
+                        <m:t>≤</m:t>
+                      </m:r>
+                      <m:r>
+                        <a:rPr lang="it-IT" i="1">
+                          <a:latin typeface="Cambria Math" panose="02040503050406030204" pitchFamily="18" charset="0"/>
+                        </a:rPr>
+                        <m:t>𝑄</m:t>
+                      </m:r>
+                      <m:r>
+                        <a:rPr lang="it-IT" i="0">
+                          <a:latin typeface="Cambria Math" panose="02040503050406030204" pitchFamily="18" charset="0"/>
+                        </a:rPr>
+                        <m:t>∙</m:t>
+                      </m:r>
+                      <m:sSub>
+                        <m:sSubPr>
+                          <m:ctrlPr>
+                            <a:rPr lang="it-IT" i="1">
+                              <a:latin typeface="Cambria Math" panose="02040503050406030204" pitchFamily="18" charset="0"/>
+                            </a:rPr>
+                          </m:ctrlPr>
+                        </m:sSubPr>
+                        <m:e>
+                          <m:r>
+                            <a:rPr lang="it-IT" i="1">
+                              <a:latin typeface="Cambria Math" panose="02040503050406030204" pitchFamily="18" charset="0"/>
+                            </a:rPr>
+                            <m:t>𝑧</m:t>
+                          </m:r>
+                        </m:e>
+                        <m:sub>
+                          <m:r>
+                            <a:rPr lang="it-IT" i="1">
+                              <a:latin typeface="Cambria Math" panose="02040503050406030204" pitchFamily="18" charset="0"/>
+                            </a:rPr>
+                            <m:t>h𝑡</m:t>
+                          </m:r>
+                        </m:sub>
+                      </m:sSub>
+                      <m:r>
+                        <a:rPr lang="it-IT" i="0">
+                          <a:latin typeface="Cambria Math" panose="02040503050406030204" pitchFamily="18" charset="0"/>
+                        </a:rPr>
+                        <m:t> </m:t>
+                      </m:r>
+                    </m:oMath>
+                  </m:oMathPara>
+                </a14:m>
+                <a:endParaRPr lang="it-IT" dirty="0"/>
+              </a:p>
+            </p:txBody>
+          </p:sp>
+        </mc:Choice>
+        <mc:Fallback>
+          <p:sp>
+            <p:nvSpPr>
+              <p:cNvPr id="9" name="Rettangolo 8"/>
+              <p:cNvSpPr>
+                <a:spLocks noRot="1" noChangeAspect="1" noMove="1" noResize="1" noEditPoints="1" noAdjustHandles="1" noChangeArrowheads="1" noChangeShapeType="1" noTextEdit="1"/>
+              </p:cNvSpPr>
+              <p:nvPr/>
+            </p:nvSpPr>
+            <p:spPr>
+              <a:xfrm>
+                <a:off x="502380" y="3984535"/>
+                <a:ext cx="1543692" cy="369332"/>
+              </a:xfrm>
+              <a:prstGeom prst="rect">
+                <a:avLst/>
+              </a:prstGeom>
+              <a:blipFill rotWithShape="0">
+                <a:blip r:embed="rId4"/>
+                <a:stretch>
+                  <a:fillRect b="-11667"/>
+                </a:stretch>
+              </a:blipFill>
+            </p:spPr>
+            <p:txBody>
+              <a:bodyPr/>
+              <a:lstStyle/>
+              <a:p>
+                <a:r>
+                  <a:rPr lang="it-IT">
+                    <a:noFill/>
+                  </a:rPr>
+                  <a:t> </a:t>
+                </a:r>
+              </a:p>
+            </p:txBody>
+          </p:sp>
+        </mc:Fallback>
+      </mc:AlternateContent>
+      <p:sp>
+        <p:nvSpPr>
+          <p:cNvPr id="11" name="CasellaDiTesto 10"/>
+          <p:cNvSpPr txBox="1"/>
+          <p:nvPr/>
+        </p:nvSpPr>
+        <p:spPr>
+          <a:xfrm>
+            <a:off x="3137095" y="3984535"/>
+            <a:ext cx="5549705" cy="923330"/>
+          </a:xfrm>
+          <a:prstGeom prst="rect">
+            <a:avLst/>
+          </a:prstGeom>
+          <a:noFill/>
+        </p:spPr>
+        <p:txBody>
+          <a:bodyPr wrap="square" rtlCol="0">
+            <a:spAutoFit/>
+          </a:bodyPr>
+          <a:lstStyle/>
+          <a:p>
+            <a:r>
+              <a:rPr lang="it-IT" dirty="0" smtClean="0"/>
+              <a:t>Quantità fornita dal camion al supermercato h nel periodo t. Q è la capacità massima del camion (dato di input).</a:t>
+            </a:r>
+            <a:endParaRPr lang="it-IT" dirty="0"/>
+          </a:p>
+        </p:txBody>
+      </p:sp>
+      <mc:AlternateContent xmlns:mc="http://schemas.openxmlformats.org/markup-compatibility/2006">
+        <mc:Choice xmlns:a14="http://schemas.microsoft.com/office/drawing/2010/main" Requires="a14">
+          <p:sp>
+            <p:nvSpPr>
+              <p:cNvPr id="12" name="Rettangolo 11"/>
+              <p:cNvSpPr/>
+              <p:nvPr/>
+            </p:nvSpPr>
+            <p:spPr>
+              <a:xfrm>
+                <a:off x="502380" y="5185676"/>
+                <a:ext cx="1506438" cy="369332"/>
+              </a:xfrm>
+              <a:prstGeom prst="rect">
+                <a:avLst/>
+              </a:prstGeom>
+            </p:spPr>
+            <p:txBody>
+              <a:bodyPr wrap="none">
+                <a:spAutoFit/>
+              </a:bodyPr>
+              <a:lstStyle/>
+              <a:p>
+                <a14:m>
+                  <m:oMathPara xmlns:m="http://schemas.openxmlformats.org/officeDocument/2006/math">
+                    <m:oMathParaPr>
+                      <m:jc m:val="centerGroup"/>
+                    </m:oMathParaPr>
+                    <m:oMath xmlns:m="http://schemas.openxmlformats.org/officeDocument/2006/math">
+                      <m:r>
+                        <a:rPr lang="it-IT">
+                          <a:latin typeface="Cambria Math" panose="02040503050406030204" pitchFamily="18" charset="0"/>
+                        </a:rPr>
+                        <m:t>0</m:t>
+                      </m:r>
+                      <m:r>
+                        <a:rPr lang="it-IT" i="0">
+                          <a:latin typeface="Cambria Math" panose="02040503050406030204" pitchFamily="18" charset="0"/>
+                        </a:rPr>
+                        <m:t>≤</m:t>
+                      </m:r>
+                      <m:sSub>
+                        <m:sSubPr>
+                          <m:ctrlPr>
+                            <a:rPr lang="it-IT" i="1">
+                              <a:latin typeface="Cambria Math" panose="02040503050406030204" pitchFamily="18" charset="0"/>
+                            </a:rPr>
+                          </m:ctrlPr>
+                        </m:sSubPr>
+                        <m:e>
+                          <m:r>
+                            <a:rPr lang="it-IT" i="1">
+                              <a:latin typeface="Cambria Math" panose="02040503050406030204" pitchFamily="18" charset="0"/>
+                            </a:rPr>
+                            <m:t>𝑥</m:t>
+                          </m:r>
+                        </m:e>
+                        <m:sub>
+                          <m:r>
+                            <a:rPr lang="it-IT" i="1">
+                              <a:latin typeface="Cambria Math" panose="02040503050406030204" pitchFamily="18" charset="0"/>
+                            </a:rPr>
+                            <m:t>h𝑡</m:t>
+                          </m:r>
+                        </m:sub>
+                      </m:sSub>
+                      <m:r>
+                        <a:rPr lang="it-IT" i="0">
+                          <a:latin typeface="Cambria Math" panose="02040503050406030204" pitchFamily="18" charset="0"/>
+                        </a:rPr>
+                        <m:t>≤</m:t>
+                      </m:r>
+                      <m:r>
+                        <a:rPr lang="it-IT" i="1">
+                          <a:latin typeface="Cambria Math" panose="02040503050406030204" pitchFamily="18" charset="0"/>
+                        </a:rPr>
+                        <m:t>𝑄</m:t>
+                      </m:r>
+                      <m:r>
+                        <a:rPr lang="it-IT" i="0">
+                          <a:latin typeface="Cambria Math" panose="02040503050406030204" pitchFamily="18" charset="0"/>
+                        </a:rPr>
+                        <m:t> </m:t>
+                      </m:r>
+                    </m:oMath>
+                  </m:oMathPara>
+                </a14:m>
+                <a:endParaRPr lang="it-IT" dirty="0"/>
+              </a:p>
+            </p:txBody>
+          </p:sp>
+        </mc:Choice>
+        <mc:Fallback>
+          <p:sp>
+            <p:nvSpPr>
+              <p:cNvPr id="12" name="Rettangolo 11"/>
+              <p:cNvSpPr>
+                <a:spLocks noRot="1" noChangeAspect="1" noMove="1" noResize="1" noEditPoints="1" noAdjustHandles="1" noChangeArrowheads="1" noChangeShapeType="1" noTextEdit="1"/>
+              </p:cNvSpPr>
+              <p:nvPr/>
+            </p:nvSpPr>
+            <p:spPr>
+              <a:xfrm>
+                <a:off x="502380" y="5185676"/>
+                <a:ext cx="1506438" cy="369332"/>
+              </a:xfrm>
+              <a:prstGeom prst="rect">
+                <a:avLst/>
+              </a:prstGeom>
+              <a:blipFill rotWithShape="0">
+                <a:blip r:embed="rId5"/>
+                <a:stretch>
+                  <a:fillRect b="-11667"/>
+                </a:stretch>
+              </a:blipFill>
+            </p:spPr>
+            <p:txBody>
+              <a:bodyPr/>
+              <a:lstStyle/>
+              <a:p>
+                <a:r>
+                  <a:rPr lang="it-IT">
+                    <a:noFill/>
+                  </a:rPr>
+                  <a:t> </a:t>
+                </a:r>
+              </a:p>
+            </p:txBody>
+          </p:sp>
+        </mc:Fallback>
+      </mc:AlternateContent>
+      <p:sp>
+        <p:nvSpPr>
+          <p:cNvPr id="13" name="CasellaDiTesto 12"/>
+          <p:cNvSpPr txBox="1"/>
+          <p:nvPr/>
+        </p:nvSpPr>
+        <p:spPr>
+          <a:xfrm>
+            <a:off x="3137095" y="5370342"/>
+            <a:ext cx="5549705" cy="646331"/>
+          </a:xfrm>
+          <a:prstGeom prst="rect">
+            <a:avLst/>
+          </a:prstGeom>
+          <a:noFill/>
+        </p:spPr>
+        <p:txBody>
+          <a:bodyPr wrap="square" rtlCol="0">
+            <a:spAutoFit/>
+          </a:bodyPr>
+          <a:lstStyle/>
+          <a:p>
+            <a:r>
+              <a:rPr lang="it-IT" dirty="0" smtClean="0"/>
+              <a:t>La quantità fornita ad ogni supermercato h nel periodo t è compresa tra 0 e Q.</a:t>
+            </a:r>
+            <a:endParaRPr lang="it-IT" dirty="0"/>
+          </a:p>
+        </p:txBody>
+      </p:sp>
     </p:spTree>
     <p:extLst>
       <p:ext uri="{BB962C8B-B14F-4D97-AF65-F5344CB8AC3E}">
@@ -5773,7 +6517,1484 @@
   <p:timing>
     <p:tnLst>
       <p:par>
-        <p:cTn xmlns:p14="http://schemas.microsoft.com/office/powerpoint/2010/main" id="1" dur="indefinite" restart="never" nodeType="tmRoot"/>
+        <p:cTn id="1" dur="indefinite" restart="never" nodeType="tmRoot"/>
+      </p:par>
+    </p:tnLst>
+  </p:timing>
+</p:sld>
+</file>
+
+<file path=ppt/slides/slide6.xml><?xml version="1.0" encoding="utf-8"?>
+<p:sld xmlns:a="http://schemas.openxmlformats.org/drawingml/2006/main" xmlns:r="http://schemas.openxmlformats.org/officeDocument/2006/relationships" xmlns:p="http://schemas.openxmlformats.org/presentationml/2006/main">
+  <p:cSld>
+    <p:spTree>
+      <p:nvGrpSpPr>
+        <p:cNvPr id="1" name=""/>
+        <p:cNvGrpSpPr/>
+        <p:nvPr/>
+      </p:nvGrpSpPr>
+      <p:grpSpPr>
+        <a:xfrm>
+          <a:off x="0" y="0"/>
+          <a:ext cx="0" cy="0"/>
+          <a:chOff x="0" y="0"/>
+          <a:chExt cx="0" cy="0"/>
+        </a:xfrm>
+      </p:grpSpPr>
+      <p:sp>
+        <p:nvSpPr>
+          <p:cNvPr id="2" name="CasellaDiTesto 1"/>
+          <p:cNvSpPr txBox="1"/>
+          <p:nvPr/>
+        </p:nvSpPr>
+        <p:spPr>
+          <a:xfrm>
+            <a:off x="502380" y="656721"/>
+            <a:ext cx="6843553" cy="523220"/>
+          </a:xfrm>
+          <a:prstGeom prst="rect">
+            <a:avLst/>
+          </a:prstGeom>
+          <a:noFill/>
+        </p:spPr>
+        <p:txBody>
+          <a:bodyPr wrap="none" rtlCol="0">
+            <a:spAutoFit/>
+          </a:bodyPr>
+          <a:lstStyle/>
+          <a:p>
+            <a:r>
+              <a:rPr lang="it-IT" sz="2800" i="1" dirty="0" smtClean="0">
+                <a:solidFill>
+                  <a:srgbClr val="15A6FB"/>
+                </a:solidFill>
+                <a:latin typeface="Calibri"/>
+                <a:cs typeface="Calibri"/>
+              </a:rPr>
+              <a:t>Modellazione del problema: il nostro modello</a:t>
+            </a:r>
+            <a:endParaRPr lang="it-IT" sz="2800" i="1" dirty="0">
+              <a:solidFill>
+                <a:srgbClr val="15A6FB"/>
+              </a:solidFill>
+              <a:latin typeface="Calibri"/>
+              <a:cs typeface="Calibri"/>
+            </a:endParaRPr>
+          </a:p>
+        </p:txBody>
+      </p:sp>
+      <p:sp>
+        <p:nvSpPr>
+          <p:cNvPr id="4" name="Segnaposto numero diapositiva 3"/>
+          <p:cNvSpPr>
+            <a:spLocks noGrp="1"/>
+          </p:cNvSpPr>
+          <p:nvPr>
+            <p:ph type="sldNum" sz="quarter" idx="12"/>
+          </p:nvPr>
+        </p:nvSpPr>
+        <p:spPr/>
+        <p:txBody>
+          <a:bodyPr/>
+          <a:lstStyle/>
+          <a:p>
+            <a:fld id="{0CFEC368-1D7A-4F81-ABF6-AE0E36BAF64C}" type="slidenum">
+              <a:rPr lang="en-US" smtClean="0"/>
+              <a:pPr/>
+              <a:t>6</a:t>
+            </a:fld>
+            <a:endParaRPr lang="en-US"/>
+          </a:p>
+        </p:txBody>
+      </p:sp>
+      <p:sp>
+        <p:nvSpPr>
+          <p:cNvPr id="5" name="CasellaDiTesto 4"/>
+          <p:cNvSpPr txBox="1"/>
+          <p:nvPr/>
+        </p:nvSpPr>
+        <p:spPr>
+          <a:xfrm>
+            <a:off x="1477109" y="2398458"/>
+            <a:ext cx="7209692" cy="923330"/>
+          </a:xfrm>
+          <a:prstGeom prst="rect">
+            <a:avLst/>
+          </a:prstGeom>
+          <a:noFill/>
+        </p:spPr>
+        <p:txBody>
+          <a:bodyPr wrap="square" rtlCol="0">
+            <a:spAutoFit/>
+          </a:bodyPr>
+          <a:lstStyle/>
+          <a:p>
+            <a:r>
+              <a:rPr lang="it-IT" dirty="0" smtClean="0"/>
+              <a:t>Vincolo di bilancio al singolo nodo. Le scorte del periodo successivo devono essere uguali alle scorte del periodo precedente più la quantità rifornita meno la quantità venduta dal supermercato h.</a:t>
+            </a:r>
+            <a:endParaRPr lang="it-IT" dirty="0"/>
+          </a:p>
+        </p:txBody>
+      </p:sp>
+      <p:sp>
+        <p:nvSpPr>
+          <p:cNvPr id="11" name="CasellaDiTesto 10"/>
+          <p:cNvSpPr txBox="1"/>
+          <p:nvPr/>
+        </p:nvSpPr>
+        <p:spPr>
+          <a:xfrm>
+            <a:off x="1477109" y="4154257"/>
+            <a:ext cx="7209691" cy="646331"/>
+          </a:xfrm>
+          <a:prstGeom prst="rect">
+            <a:avLst/>
+          </a:prstGeom>
+          <a:noFill/>
+        </p:spPr>
+        <p:txBody>
+          <a:bodyPr wrap="square" rtlCol="0">
+            <a:spAutoFit/>
+          </a:bodyPr>
+          <a:lstStyle/>
+          <a:p>
+            <a:r>
+              <a:rPr lang="it-IT" dirty="0" smtClean="0"/>
+              <a:t>Le scorte di partenza su ogni supermercato sono uguali alle scorte dell’ultimo periodo T.</a:t>
+            </a:r>
+            <a:endParaRPr lang="it-IT" dirty="0"/>
+          </a:p>
+        </p:txBody>
+      </p:sp>
+      <p:sp>
+        <p:nvSpPr>
+          <p:cNvPr id="13" name="CasellaDiTesto 12"/>
+          <p:cNvSpPr txBox="1"/>
+          <p:nvPr/>
+        </p:nvSpPr>
+        <p:spPr>
+          <a:xfrm>
+            <a:off x="1477109" y="5665517"/>
+            <a:ext cx="7209691" cy="646331"/>
+          </a:xfrm>
+          <a:prstGeom prst="rect">
+            <a:avLst/>
+          </a:prstGeom>
+          <a:noFill/>
+        </p:spPr>
+        <p:txBody>
+          <a:bodyPr wrap="square" rtlCol="0">
+            <a:spAutoFit/>
+          </a:bodyPr>
+          <a:lstStyle/>
+          <a:p>
+            <a:r>
+              <a:rPr lang="it-IT" dirty="0" smtClean="0"/>
+              <a:t>Le scorte su ogni supermercato non devono superare la capacità massima S</a:t>
+            </a:r>
+            <a:r>
+              <a:rPr lang="it-IT" sz="1200" dirty="0" smtClean="0"/>
+              <a:t>MAX </a:t>
+            </a:r>
+            <a:r>
+              <a:rPr lang="it-IT" dirty="0" smtClean="0"/>
+              <a:t>(dato di input).</a:t>
+            </a:r>
+            <a:endParaRPr lang="it-IT" sz="1400" dirty="0"/>
+          </a:p>
+        </p:txBody>
+      </p:sp>
+      <mc:AlternateContent xmlns:mc="http://schemas.openxmlformats.org/markup-compatibility/2006">
+        <mc:Choice xmlns:a14="http://schemas.microsoft.com/office/drawing/2010/main" Requires="a14">
+          <p:sp>
+            <p:nvSpPr>
+              <p:cNvPr id="8" name="Rettangolo 7"/>
+              <p:cNvSpPr/>
+              <p:nvPr/>
+            </p:nvSpPr>
+            <p:spPr>
+              <a:xfrm>
+                <a:off x="502380" y="1865560"/>
+                <a:ext cx="5645202" cy="388889"/>
+              </a:xfrm>
+              <a:prstGeom prst="rect">
+                <a:avLst/>
+              </a:prstGeom>
+            </p:spPr>
+            <p:txBody>
+              <a:bodyPr wrap="square">
+                <a:spAutoFit/>
+              </a:bodyPr>
+              <a:lstStyle/>
+              <a:p>
+                <a14:m>
+                  <m:oMathPara xmlns:m="http://schemas.openxmlformats.org/officeDocument/2006/math">
+                    <m:oMathParaPr>
+                      <m:jc m:val="centerGroup"/>
+                    </m:oMathParaPr>
+                    <m:oMath xmlns:m="http://schemas.openxmlformats.org/officeDocument/2006/math">
+                      <m:sSub>
+                        <m:sSubPr>
+                          <m:ctrlPr>
+                            <a:rPr lang="it-IT">
+                              <a:latin typeface="Cambria Math" panose="02040503050406030204" pitchFamily="18" charset="0"/>
+                            </a:rPr>
+                          </m:ctrlPr>
+                        </m:sSubPr>
+                        <m:e>
+                          <m:r>
+                            <a:rPr lang="it-IT" i="1">
+                              <a:latin typeface="Cambria Math" panose="02040503050406030204" pitchFamily="18" charset="0"/>
+                            </a:rPr>
+                            <m:t>𝑠</m:t>
+                          </m:r>
+                        </m:e>
+                        <m:sub>
+                          <m:r>
+                            <a:rPr lang="it-IT" i="1">
+                              <a:latin typeface="Cambria Math" panose="02040503050406030204" pitchFamily="18" charset="0"/>
+                            </a:rPr>
+                            <m:t>h</m:t>
+                          </m:r>
+                          <m:d>
+                            <m:dPr>
+                              <m:ctrlPr>
+                                <a:rPr lang="it-IT" i="1">
+                                  <a:latin typeface="Cambria Math" panose="02040503050406030204" pitchFamily="18" charset="0"/>
+                                </a:rPr>
+                              </m:ctrlPr>
+                            </m:dPr>
+                            <m:e>
+                              <m:r>
+                                <a:rPr lang="it-IT" i="1">
+                                  <a:latin typeface="Cambria Math" panose="02040503050406030204" pitchFamily="18" charset="0"/>
+                                </a:rPr>
+                                <m:t>𝑡</m:t>
+                              </m:r>
+                              <m:r>
+                                <a:rPr lang="it-IT" i="0">
+                                  <a:latin typeface="Cambria Math" panose="02040503050406030204" pitchFamily="18" charset="0"/>
+                                </a:rPr>
+                                <m:t>+1</m:t>
+                              </m:r>
+                            </m:e>
+                          </m:d>
+                        </m:sub>
+                      </m:sSub>
+                      <m:r>
+                        <a:rPr lang="it-IT" i="0">
+                          <a:latin typeface="Cambria Math" panose="02040503050406030204" pitchFamily="18" charset="0"/>
+                        </a:rPr>
+                        <m:t>=</m:t>
+                      </m:r>
+                      <m:sSub>
+                        <m:sSubPr>
+                          <m:ctrlPr>
+                            <a:rPr lang="it-IT" i="1">
+                              <a:latin typeface="Cambria Math" panose="02040503050406030204" pitchFamily="18" charset="0"/>
+                            </a:rPr>
+                          </m:ctrlPr>
+                        </m:sSubPr>
+                        <m:e>
+                          <m:r>
+                            <a:rPr lang="it-IT" i="1">
+                              <a:latin typeface="Cambria Math" panose="02040503050406030204" pitchFamily="18" charset="0"/>
+                            </a:rPr>
+                            <m:t>𝑠</m:t>
+                          </m:r>
+                        </m:e>
+                        <m:sub>
+                          <m:r>
+                            <a:rPr lang="it-IT" i="1">
+                              <a:latin typeface="Cambria Math" panose="02040503050406030204" pitchFamily="18" charset="0"/>
+                            </a:rPr>
+                            <m:t>h𝑡</m:t>
+                          </m:r>
+                        </m:sub>
+                      </m:sSub>
+                      <m:r>
+                        <a:rPr lang="it-IT" i="0">
+                          <a:latin typeface="Cambria Math" panose="02040503050406030204" pitchFamily="18" charset="0"/>
+                        </a:rPr>
+                        <m:t>−</m:t>
+                      </m:r>
+                      <m:sSub>
+                        <m:sSubPr>
+                          <m:ctrlPr>
+                            <a:rPr lang="it-IT" i="1">
+                              <a:latin typeface="Cambria Math" panose="02040503050406030204" pitchFamily="18" charset="0"/>
+                            </a:rPr>
+                          </m:ctrlPr>
+                        </m:sSubPr>
+                        <m:e>
+                          <m:r>
+                            <a:rPr lang="it-IT" i="1">
+                              <a:latin typeface="Cambria Math" panose="02040503050406030204" pitchFamily="18" charset="0"/>
+                            </a:rPr>
+                            <m:t>𝑞</m:t>
+                          </m:r>
+                        </m:e>
+                        <m:sub>
+                          <m:r>
+                            <a:rPr lang="it-IT" i="1">
+                              <a:latin typeface="Cambria Math" panose="02040503050406030204" pitchFamily="18" charset="0"/>
+                            </a:rPr>
+                            <m:t>h𝑡</m:t>
+                          </m:r>
+                        </m:sub>
+                      </m:sSub>
+                      <m:r>
+                        <a:rPr lang="it-IT" i="0">
+                          <a:latin typeface="Cambria Math" panose="02040503050406030204" pitchFamily="18" charset="0"/>
+                        </a:rPr>
+                        <m:t>+</m:t>
+                      </m:r>
+                      <m:sSub>
+                        <m:sSubPr>
+                          <m:ctrlPr>
+                            <a:rPr lang="it-IT" i="1">
+                              <a:latin typeface="Cambria Math" panose="02040503050406030204" pitchFamily="18" charset="0"/>
+                            </a:rPr>
+                          </m:ctrlPr>
+                        </m:sSubPr>
+                        <m:e>
+                          <m:r>
+                            <a:rPr lang="it-IT" i="1">
+                              <a:latin typeface="Cambria Math" panose="02040503050406030204" pitchFamily="18" charset="0"/>
+                            </a:rPr>
+                            <m:t>𝑥</m:t>
+                          </m:r>
+                        </m:e>
+                        <m:sub>
+                          <m:r>
+                            <a:rPr lang="it-IT" i="1">
+                              <a:latin typeface="Cambria Math" panose="02040503050406030204" pitchFamily="18" charset="0"/>
+                            </a:rPr>
+                            <m:t>h𝑡</m:t>
+                          </m:r>
+                        </m:sub>
+                      </m:sSub>
+                      <m:r>
+                        <a:rPr lang="it-IT" i="0">
+                          <a:latin typeface="Cambria Math" panose="02040503050406030204" pitchFamily="18" charset="0"/>
+                        </a:rPr>
+                        <m:t>   ∀ </m:t>
+                      </m:r>
+                      <m:r>
+                        <a:rPr lang="it-IT" i="1">
+                          <a:latin typeface="Cambria Math" panose="02040503050406030204" pitchFamily="18" charset="0"/>
+                        </a:rPr>
+                        <m:t>𝑡</m:t>
+                      </m:r>
+                      <m:r>
+                        <a:rPr lang="it-IT" i="0">
+                          <a:latin typeface="Cambria Math" panose="02040503050406030204" pitchFamily="18" charset="0"/>
+                        </a:rPr>
+                        <m:t> 1&lt;</m:t>
+                      </m:r>
+                      <m:r>
+                        <a:rPr lang="it-IT" i="1">
+                          <a:latin typeface="Cambria Math" panose="02040503050406030204" pitchFamily="18" charset="0"/>
+                        </a:rPr>
+                        <m:t>𝑡</m:t>
+                      </m:r>
+                      <m:r>
+                        <a:rPr lang="it-IT" i="0">
+                          <a:latin typeface="Cambria Math" panose="02040503050406030204" pitchFamily="18" charset="0"/>
+                        </a:rPr>
+                        <m:t>≤</m:t>
+                      </m:r>
+                      <m:r>
+                        <a:rPr lang="it-IT" i="1">
+                          <a:latin typeface="Cambria Math" panose="02040503050406030204" pitchFamily="18" charset="0"/>
+                        </a:rPr>
+                        <m:t>𝑇</m:t>
+                      </m:r>
+                      <m:r>
+                        <a:rPr lang="it-IT" i="0">
+                          <a:latin typeface="Cambria Math" panose="02040503050406030204" pitchFamily="18" charset="0"/>
+                        </a:rPr>
+                        <m:t>, ∀ </m:t>
+                      </m:r>
+                      <m:r>
+                        <a:rPr lang="it-IT" i="1">
+                          <a:latin typeface="Cambria Math" panose="02040503050406030204" pitchFamily="18" charset="0"/>
+                        </a:rPr>
+                        <m:t>h</m:t>
+                      </m:r>
+                      <m:r>
+                        <a:rPr lang="it-IT" i="0">
+                          <a:latin typeface="Cambria Math" panose="02040503050406030204" pitchFamily="18" charset="0"/>
+                        </a:rPr>
+                        <m:t> 1≤</m:t>
+                      </m:r>
+                      <m:r>
+                        <a:rPr lang="it-IT" i="1">
+                          <a:latin typeface="Cambria Math" panose="02040503050406030204" pitchFamily="18" charset="0"/>
+                        </a:rPr>
+                        <m:t>h</m:t>
+                      </m:r>
+                      <m:r>
+                        <a:rPr lang="it-IT" i="0">
+                          <a:latin typeface="Cambria Math" panose="02040503050406030204" pitchFamily="18" charset="0"/>
+                        </a:rPr>
+                        <m:t>≤</m:t>
+                      </m:r>
+                      <m:r>
+                        <a:rPr lang="it-IT" i="1">
+                          <a:latin typeface="Cambria Math" panose="02040503050406030204" pitchFamily="18" charset="0"/>
+                        </a:rPr>
+                        <m:t>𝐾</m:t>
+                      </m:r>
+                    </m:oMath>
+                  </m:oMathPara>
+                </a14:m>
+                <a:endParaRPr lang="it-IT" dirty="0"/>
+              </a:p>
+            </p:txBody>
+          </p:sp>
+        </mc:Choice>
+        <mc:Fallback>
+          <p:sp>
+            <p:nvSpPr>
+              <p:cNvPr id="8" name="Rettangolo 7"/>
+              <p:cNvSpPr>
+                <a:spLocks noRot="1" noChangeAspect="1" noMove="1" noResize="1" noEditPoints="1" noAdjustHandles="1" noChangeArrowheads="1" noChangeShapeType="1" noTextEdit="1"/>
+              </p:cNvSpPr>
+              <p:nvPr/>
+            </p:nvSpPr>
+            <p:spPr>
+              <a:xfrm>
+                <a:off x="502380" y="1865560"/>
+                <a:ext cx="5645202" cy="388889"/>
+              </a:xfrm>
+              <a:prstGeom prst="rect">
+                <a:avLst/>
+              </a:prstGeom>
+              <a:blipFill rotWithShape="0">
+                <a:blip r:embed="rId2"/>
+                <a:stretch>
+                  <a:fillRect b="-3125"/>
+                </a:stretch>
+              </a:blipFill>
+            </p:spPr>
+            <p:txBody>
+              <a:bodyPr/>
+              <a:lstStyle/>
+              <a:p>
+                <a:r>
+                  <a:rPr lang="it-IT">
+                    <a:noFill/>
+                  </a:rPr>
+                  <a:t> </a:t>
+                </a:r>
+              </a:p>
+            </p:txBody>
+          </p:sp>
+        </mc:Fallback>
+      </mc:AlternateContent>
+      <mc:AlternateContent xmlns:mc="http://schemas.openxmlformats.org/markup-compatibility/2006">
+        <mc:Choice xmlns:a14="http://schemas.microsoft.com/office/drawing/2010/main" Requires="a14">
+          <p:sp>
+            <p:nvSpPr>
+              <p:cNvPr id="10" name="Rettangolo 9"/>
+              <p:cNvSpPr/>
+              <p:nvPr/>
+            </p:nvSpPr>
+            <p:spPr>
+              <a:xfrm>
+                <a:off x="502380" y="3553356"/>
+                <a:ext cx="2804550" cy="369332"/>
+              </a:xfrm>
+              <a:prstGeom prst="rect">
+                <a:avLst/>
+              </a:prstGeom>
+            </p:spPr>
+            <p:txBody>
+              <a:bodyPr wrap="none">
+                <a:spAutoFit/>
+              </a:bodyPr>
+              <a:lstStyle/>
+              <a:p>
+                <a14:m>
+                  <m:oMathPara xmlns:m="http://schemas.openxmlformats.org/officeDocument/2006/math">
+                    <m:oMathParaPr>
+                      <m:jc m:val="centerGroup"/>
+                    </m:oMathParaPr>
+                    <m:oMath xmlns:m="http://schemas.openxmlformats.org/officeDocument/2006/math">
+                      <m:sSub>
+                        <m:sSubPr>
+                          <m:ctrlPr>
+                            <a:rPr lang="it-IT">
+                              <a:latin typeface="Cambria Math" panose="02040503050406030204" pitchFamily="18" charset="0"/>
+                            </a:rPr>
+                          </m:ctrlPr>
+                        </m:sSubPr>
+                        <m:e>
+                          <m:r>
+                            <a:rPr lang="it-IT" i="1">
+                              <a:latin typeface="Cambria Math" panose="02040503050406030204" pitchFamily="18" charset="0"/>
+                            </a:rPr>
+                            <m:t>𝑠</m:t>
+                          </m:r>
+                        </m:e>
+                        <m:sub>
+                          <m:r>
+                            <a:rPr lang="it-IT" i="1">
+                              <a:latin typeface="Cambria Math" panose="02040503050406030204" pitchFamily="18" charset="0"/>
+                            </a:rPr>
+                            <m:t>h</m:t>
+                          </m:r>
+                          <m:r>
+                            <a:rPr lang="it-IT" i="0">
+                              <a:latin typeface="Cambria Math" panose="02040503050406030204" pitchFamily="18" charset="0"/>
+                            </a:rPr>
+                            <m:t>1</m:t>
+                          </m:r>
+                        </m:sub>
+                      </m:sSub>
+                      <m:r>
+                        <a:rPr lang="it-IT" i="0">
+                          <a:latin typeface="Cambria Math" panose="02040503050406030204" pitchFamily="18" charset="0"/>
+                        </a:rPr>
+                        <m:t>=</m:t>
+                      </m:r>
+                      <m:sSub>
+                        <m:sSubPr>
+                          <m:ctrlPr>
+                            <a:rPr lang="it-IT" i="1">
+                              <a:latin typeface="Cambria Math" panose="02040503050406030204" pitchFamily="18" charset="0"/>
+                            </a:rPr>
+                          </m:ctrlPr>
+                        </m:sSubPr>
+                        <m:e>
+                          <m:r>
+                            <a:rPr lang="it-IT" i="1">
+                              <a:latin typeface="Cambria Math" panose="02040503050406030204" pitchFamily="18" charset="0"/>
+                            </a:rPr>
+                            <m:t>𝑠</m:t>
+                          </m:r>
+                        </m:e>
+                        <m:sub>
+                          <m:r>
+                            <a:rPr lang="it-IT" i="1">
+                              <a:latin typeface="Cambria Math" panose="02040503050406030204" pitchFamily="18" charset="0"/>
+                            </a:rPr>
+                            <m:t>h𝑇</m:t>
+                          </m:r>
+                        </m:sub>
+                      </m:sSub>
+                      <m:r>
+                        <a:rPr lang="it-IT" i="0">
+                          <a:latin typeface="Cambria Math" panose="02040503050406030204" pitchFamily="18" charset="0"/>
+                        </a:rPr>
+                        <m:t>   ∀ </m:t>
+                      </m:r>
+                      <m:r>
+                        <a:rPr lang="it-IT" i="1">
+                          <a:latin typeface="Cambria Math" panose="02040503050406030204" pitchFamily="18" charset="0"/>
+                        </a:rPr>
+                        <m:t>h</m:t>
+                      </m:r>
+                      <m:r>
+                        <a:rPr lang="it-IT" i="0">
+                          <a:latin typeface="Cambria Math" panose="02040503050406030204" pitchFamily="18" charset="0"/>
+                        </a:rPr>
+                        <m:t> 1≤</m:t>
+                      </m:r>
+                      <m:r>
+                        <a:rPr lang="it-IT" i="1">
+                          <a:latin typeface="Cambria Math" panose="02040503050406030204" pitchFamily="18" charset="0"/>
+                        </a:rPr>
+                        <m:t>h</m:t>
+                      </m:r>
+                      <m:r>
+                        <a:rPr lang="it-IT" i="0">
+                          <a:latin typeface="Cambria Math" panose="02040503050406030204" pitchFamily="18" charset="0"/>
+                        </a:rPr>
+                        <m:t>≤</m:t>
+                      </m:r>
+                      <m:r>
+                        <a:rPr lang="it-IT" i="1">
+                          <a:latin typeface="Cambria Math" panose="02040503050406030204" pitchFamily="18" charset="0"/>
+                        </a:rPr>
+                        <m:t>𝐾</m:t>
+                      </m:r>
+                      <m:r>
+                        <a:rPr lang="it-IT" i="0">
+                          <a:latin typeface="Cambria Math" panose="02040503050406030204" pitchFamily="18" charset="0"/>
+                        </a:rPr>
+                        <m:t> </m:t>
+                      </m:r>
+                    </m:oMath>
+                  </m:oMathPara>
+                </a14:m>
+                <a:endParaRPr lang="it-IT" dirty="0"/>
+              </a:p>
+            </p:txBody>
+          </p:sp>
+        </mc:Choice>
+        <mc:Fallback>
+          <p:sp>
+            <p:nvSpPr>
+              <p:cNvPr id="10" name="Rettangolo 9"/>
+              <p:cNvSpPr>
+                <a:spLocks noRot="1" noChangeAspect="1" noMove="1" noResize="1" noEditPoints="1" noAdjustHandles="1" noChangeArrowheads="1" noChangeShapeType="1" noTextEdit="1"/>
+              </p:cNvSpPr>
+              <p:nvPr/>
+            </p:nvSpPr>
+            <p:spPr>
+              <a:xfrm>
+                <a:off x="502380" y="3553356"/>
+                <a:ext cx="2804550" cy="369332"/>
+              </a:xfrm>
+              <a:prstGeom prst="rect">
+                <a:avLst/>
+              </a:prstGeom>
+              <a:blipFill rotWithShape="0">
+                <a:blip r:embed="rId3"/>
+                <a:stretch>
+                  <a:fillRect b="-1667"/>
+                </a:stretch>
+              </a:blipFill>
+            </p:spPr>
+            <p:txBody>
+              <a:bodyPr/>
+              <a:lstStyle/>
+              <a:p>
+                <a:r>
+                  <a:rPr lang="it-IT">
+                    <a:noFill/>
+                  </a:rPr>
+                  <a:t> </a:t>
+                </a:r>
+              </a:p>
+            </p:txBody>
+          </p:sp>
+        </mc:Fallback>
+      </mc:AlternateContent>
+      <mc:AlternateContent xmlns:mc="http://schemas.openxmlformats.org/markup-compatibility/2006">
+        <mc:Choice xmlns:a14="http://schemas.microsoft.com/office/drawing/2010/main" Requires="a14">
+          <p:sp>
+            <p:nvSpPr>
+              <p:cNvPr id="14" name="Rettangolo 13"/>
+              <p:cNvSpPr/>
+              <p:nvPr/>
+            </p:nvSpPr>
+            <p:spPr>
+              <a:xfrm>
+                <a:off x="502380" y="5050431"/>
+                <a:ext cx="4361643" cy="369332"/>
+              </a:xfrm>
+              <a:prstGeom prst="rect">
+                <a:avLst/>
+              </a:prstGeom>
+            </p:spPr>
+            <p:txBody>
+              <a:bodyPr wrap="none">
+                <a:spAutoFit/>
+              </a:bodyPr>
+              <a:lstStyle/>
+              <a:p>
+                <a14:m>
+                  <m:oMathPara xmlns:m="http://schemas.openxmlformats.org/officeDocument/2006/math">
+                    <m:oMathParaPr>
+                      <m:jc m:val="centerGroup"/>
+                    </m:oMathParaPr>
+                    <m:oMath xmlns:m="http://schemas.openxmlformats.org/officeDocument/2006/math">
+                      <m:sSub>
+                        <m:sSubPr>
+                          <m:ctrlPr>
+                            <a:rPr lang="it-IT">
+                              <a:latin typeface="Cambria Math" panose="02040503050406030204" pitchFamily="18" charset="0"/>
+                            </a:rPr>
+                          </m:ctrlPr>
+                        </m:sSubPr>
+                        <m:e>
+                          <m:r>
+                            <a:rPr lang="it-IT" i="1">
+                              <a:latin typeface="Cambria Math" panose="02040503050406030204" pitchFamily="18" charset="0"/>
+                            </a:rPr>
+                            <m:t>𝑆</m:t>
+                          </m:r>
+                        </m:e>
+                        <m:sub>
+                          <m:r>
+                            <a:rPr lang="it-IT" i="1">
+                              <a:latin typeface="Cambria Math" panose="02040503050406030204" pitchFamily="18" charset="0"/>
+                            </a:rPr>
+                            <m:t>𝑀𝐴𝑋</m:t>
+                          </m:r>
+                        </m:sub>
+                      </m:sSub>
+                      <m:r>
+                        <a:rPr lang="it-IT" i="0">
+                          <a:latin typeface="Cambria Math" panose="02040503050406030204" pitchFamily="18" charset="0"/>
+                        </a:rPr>
+                        <m:t>≥</m:t>
+                      </m:r>
+                      <m:sSub>
+                        <m:sSubPr>
+                          <m:ctrlPr>
+                            <a:rPr lang="it-IT" i="1">
+                              <a:latin typeface="Cambria Math" panose="02040503050406030204" pitchFamily="18" charset="0"/>
+                            </a:rPr>
+                          </m:ctrlPr>
+                        </m:sSubPr>
+                        <m:e>
+                          <m:r>
+                            <a:rPr lang="it-IT" i="1">
+                              <a:latin typeface="Cambria Math" panose="02040503050406030204" pitchFamily="18" charset="0"/>
+                            </a:rPr>
+                            <m:t>𝑠</m:t>
+                          </m:r>
+                        </m:e>
+                        <m:sub>
+                          <m:r>
+                            <a:rPr lang="it-IT" i="1">
+                              <a:latin typeface="Cambria Math" panose="02040503050406030204" pitchFamily="18" charset="0"/>
+                            </a:rPr>
+                            <m:t>h𝑡</m:t>
+                          </m:r>
+                        </m:sub>
+                      </m:sSub>
+                      <m:r>
+                        <a:rPr lang="it-IT" i="0">
+                          <a:latin typeface="Cambria Math" panose="02040503050406030204" pitchFamily="18" charset="0"/>
+                        </a:rPr>
+                        <m:t>   ∀ </m:t>
+                      </m:r>
+                      <m:r>
+                        <a:rPr lang="it-IT" i="1">
+                          <a:latin typeface="Cambria Math" panose="02040503050406030204" pitchFamily="18" charset="0"/>
+                        </a:rPr>
+                        <m:t>𝑡</m:t>
+                      </m:r>
+                      <m:r>
+                        <a:rPr lang="it-IT" i="0">
+                          <a:latin typeface="Cambria Math" panose="02040503050406030204" pitchFamily="18" charset="0"/>
+                        </a:rPr>
+                        <m:t> 1≤</m:t>
+                      </m:r>
+                      <m:r>
+                        <a:rPr lang="it-IT" i="1">
+                          <a:latin typeface="Cambria Math" panose="02040503050406030204" pitchFamily="18" charset="0"/>
+                        </a:rPr>
+                        <m:t>𝑡</m:t>
+                      </m:r>
+                      <m:r>
+                        <a:rPr lang="it-IT" i="0">
+                          <a:latin typeface="Cambria Math" panose="02040503050406030204" pitchFamily="18" charset="0"/>
+                        </a:rPr>
+                        <m:t>≤</m:t>
+                      </m:r>
+                      <m:r>
+                        <a:rPr lang="it-IT" i="1">
+                          <a:latin typeface="Cambria Math" panose="02040503050406030204" pitchFamily="18" charset="0"/>
+                        </a:rPr>
+                        <m:t>𝑇</m:t>
+                      </m:r>
+                      <m:r>
+                        <a:rPr lang="it-IT" i="0">
+                          <a:latin typeface="Cambria Math" panose="02040503050406030204" pitchFamily="18" charset="0"/>
+                        </a:rPr>
+                        <m:t>, ∀ </m:t>
+                      </m:r>
+                      <m:r>
+                        <a:rPr lang="it-IT" i="1">
+                          <a:latin typeface="Cambria Math" panose="02040503050406030204" pitchFamily="18" charset="0"/>
+                        </a:rPr>
+                        <m:t>h</m:t>
+                      </m:r>
+                      <m:r>
+                        <a:rPr lang="it-IT" i="0">
+                          <a:latin typeface="Cambria Math" panose="02040503050406030204" pitchFamily="18" charset="0"/>
+                        </a:rPr>
+                        <m:t> 1≤</m:t>
+                      </m:r>
+                      <m:r>
+                        <a:rPr lang="it-IT" i="1">
+                          <a:latin typeface="Cambria Math" panose="02040503050406030204" pitchFamily="18" charset="0"/>
+                        </a:rPr>
+                        <m:t>h</m:t>
+                      </m:r>
+                      <m:r>
+                        <a:rPr lang="it-IT" i="0">
+                          <a:latin typeface="Cambria Math" panose="02040503050406030204" pitchFamily="18" charset="0"/>
+                        </a:rPr>
+                        <m:t>≤</m:t>
+                      </m:r>
+                      <m:r>
+                        <a:rPr lang="it-IT" i="1">
+                          <a:latin typeface="Cambria Math" panose="02040503050406030204" pitchFamily="18" charset="0"/>
+                        </a:rPr>
+                        <m:t>𝐾</m:t>
+                      </m:r>
+                      <m:r>
+                        <a:rPr lang="it-IT" i="0">
+                          <a:latin typeface="Cambria Math" panose="02040503050406030204" pitchFamily="18" charset="0"/>
+                        </a:rPr>
+                        <m:t> </m:t>
+                      </m:r>
+                    </m:oMath>
+                  </m:oMathPara>
+                </a14:m>
+                <a:endParaRPr lang="it-IT" dirty="0"/>
+              </a:p>
+            </p:txBody>
+          </p:sp>
+        </mc:Choice>
+        <mc:Fallback>
+          <p:sp>
+            <p:nvSpPr>
+              <p:cNvPr id="14" name="Rettangolo 13"/>
+              <p:cNvSpPr>
+                <a:spLocks noRot="1" noChangeAspect="1" noMove="1" noResize="1" noEditPoints="1" noAdjustHandles="1" noChangeArrowheads="1" noChangeShapeType="1" noTextEdit="1"/>
+              </p:cNvSpPr>
+              <p:nvPr/>
+            </p:nvSpPr>
+            <p:spPr>
+              <a:xfrm>
+                <a:off x="502380" y="5050431"/>
+                <a:ext cx="4361643" cy="369332"/>
+              </a:xfrm>
+              <a:prstGeom prst="rect">
+                <a:avLst/>
+              </a:prstGeom>
+              <a:blipFill rotWithShape="0">
+                <a:blip r:embed="rId4"/>
+                <a:stretch>
+                  <a:fillRect b="-1639"/>
+                </a:stretch>
+              </a:blipFill>
+            </p:spPr>
+            <p:txBody>
+              <a:bodyPr/>
+              <a:lstStyle/>
+              <a:p>
+                <a:r>
+                  <a:rPr lang="it-IT">
+                    <a:noFill/>
+                  </a:rPr>
+                  <a:t> </a:t>
+                </a:r>
+              </a:p>
+            </p:txBody>
+          </p:sp>
+        </mc:Fallback>
+      </mc:AlternateContent>
+    </p:spTree>
+    <p:extLst>
+      <p:ext uri="{BB962C8B-B14F-4D97-AF65-F5344CB8AC3E}">
+        <p14:creationId xmlns:p14="http://schemas.microsoft.com/office/powerpoint/2010/main" val="2778012947"/>
+      </p:ext>
+    </p:extLst>
+  </p:cSld>
+  <p:clrMapOvr>
+    <a:masterClrMapping/>
+  </p:clrMapOvr>
+  <p:timing>
+    <p:tnLst>
+      <p:par>
+        <p:cTn id="1" dur="indefinite" restart="never" nodeType="tmRoot"/>
+      </p:par>
+    </p:tnLst>
+  </p:timing>
+</p:sld>
+</file>
+
+<file path=ppt/slides/slide7.xml><?xml version="1.0" encoding="utf-8"?>
+<p:sld xmlns:a="http://schemas.openxmlformats.org/drawingml/2006/main" xmlns:r="http://schemas.openxmlformats.org/officeDocument/2006/relationships" xmlns:p="http://schemas.openxmlformats.org/presentationml/2006/main">
+  <p:cSld>
+    <p:spTree>
+      <p:nvGrpSpPr>
+        <p:cNvPr id="1" name=""/>
+        <p:cNvGrpSpPr/>
+        <p:nvPr/>
+      </p:nvGrpSpPr>
+      <p:grpSpPr>
+        <a:xfrm>
+          <a:off x="0" y="0"/>
+          <a:ext cx="0" cy="0"/>
+          <a:chOff x="0" y="0"/>
+          <a:chExt cx="0" cy="0"/>
+        </a:xfrm>
+      </p:grpSpPr>
+      <p:sp>
+        <p:nvSpPr>
+          <p:cNvPr id="2" name="CasellaDiTesto 1"/>
+          <p:cNvSpPr txBox="1"/>
+          <p:nvPr/>
+        </p:nvSpPr>
+        <p:spPr>
+          <a:xfrm>
+            <a:off x="502380" y="656721"/>
+            <a:ext cx="6843553" cy="523220"/>
+          </a:xfrm>
+          <a:prstGeom prst="rect">
+            <a:avLst/>
+          </a:prstGeom>
+          <a:noFill/>
+        </p:spPr>
+        <p:txBody>
+          <a:bodyPr wrap="none" rtlCol="0">
+            <a:spAutoFit/>
+          </a:bodyPr>
+          <a:lstStyle/>
+          <a:p>
+            <a:r>
+              <a:rPr lang="it-IT" sz="2800" i="1" dirty="0" smtClean="0">
+                <a:solidFill>
+                  <a:srgbClr val="15A6FB"/>
+                </a:solidFill>
+                <a:latin typeface="Calibri"/>
+                <a:cs typeface="Calibri"/>
+              </a:rPr>
+              <a:t>Modellazione del problema: il nostro modello</a:t>
+            </a:r>
+            <a:endParaRPr lang="it-IT" sz="2800" i="1" dirty="0">
+              <a:solidFill>
+                <a:srgbClr val="15A6FB"/>
+              </a:solidFill>
+              <a:latin typeface="Calibri"/>
+              <a:cs typeface="Calibri"/>
+            </a:endParaRPr>
+          </a:p>
+        </p:txBody>
+      </p:sp>
+      <p:sp>
+        <p:nvSpPr>
+          <p:cNvPr id="4" name="Segnaposto numero diapositiva 3"/>
+          <p:cNvSpPr>
+            <a:spLocks noGrp="1"/>
+          </p:cNvSpPr>
+          <p:nvPr>
+            <p:ph type="sldNum" sz="quarter" idx="12"/>
+          </p:nvPr>
+        </p:nvSpPr>
+        <p:spPr/>
+        <p:txBody>
+          <a:bodyPr/>
+          <a:lstStyle/>
+          <a:p>
+            <a:fld id="{0CFEC368-1D7A-4F81-ABF6-AE0E36BAF64C}" type="slidenum">
+              <a:rPr lang="en-US" smtClean="0"/>
+              <a:pPr/>
+              <a:t>7</a:t>
+            </a:fld>
+            <a:endParaRPr lang="en-US"/>
+          </a:p>
+        </p:txBody>
+      </p:sp>
+      <p:sp>
+        <p:nvSpPr>
+          <p:cNvPr id="5" name="CasellaDiTesto 4"/>
+          <p:cNvSpPr txBox="1"/>
+          <p:nvPr/>
+        </p:nvSpPr>
+        <p:spPr>
+          <a:xfrm>
+            <a:off x="1477109" y="2547329"/>
+            <a:ext cx="7209692" cy="646331"/>
+          </a:xfrm>
+          <a:prstGeom prst="rect">
+            <a:avLst/>
+          </a:prstGeom>
+          <a:noFill/>
+        </p:spPr>
+        <p:txBody>
+          <a:bodyPr wrap="square" rtlCol="0">
+            <a:spAutoFit/>
+          </a:bodyPr>
+          <a:lstStyle/>
+          <a:p>
+            <a:r>
+              <a:rPr lang="it-IT" dirty="0" smtClean="0"/>
+              <a:t>Vincolo che eguaglia la quantità in uscita con la quantità fornita per ogni supermercato.</a:t>
+            </a:r>
+            <a:endParaRPr lang="it-IT" dirty="0"/>
+          </a:p>
+        </p:txBody>
+      </p:sp>
+      <p:sp>
+        <p:nvSpPr>
+          <p:cNvPr id="13" name="CasellaDiTesto 12"/>
+          <p:cNvSpPr txBox="1"/>
+          <p:nvPr/>
+        </p:nvSpPr>
+        <p:spPr>
+          <a:xfrm>
+            <a:off x="1477109" y="4535541"/>
+            <a:ext cx="7209691" cy="646331"/>
+          </a:xfrm>
+          <a:prstGeom prst="rect">
+            <a:avLst/>
+          </a:prstGeom>
+          <a:noFill/>
+        </p:spPr>
+        <p:txBody>
+          <a:bodyPr wrap="square" rtlCol="0">
+            <a:spAutoFit/>
+          </a:bodyPr>
+          <a:lstStyle/>
+          <a:p>
+            <a:r>
+              <a:rPr lang="it-IT" dirty="0" smtClean="0"/>
+              <a:t>Le quantità in ingresso per ogni supermercato nel periodo t non devono superare la capacità del camion.</a:t>
+            </a:r>
+            <a:endParaRPr lang="it-IT" sz="1400" dirty="0"/>
+          </a:p>
+        </p:txBody>
+      </p:sp>
+      <mc:AlternateContent xmlns:mc="http://schemas.openxmlformats.org/markup-compatibility/2006">
+        <mc:Choice xmlns:a14="http://schemas.microsoft.com/office/drawing/2010/main" Requires="a14">
+          <p:sp>
+            <p:nvSpPr>
+              <p:cNvPr id="3" name="Rettangolo 2"/>
+              <p:cNvSpPr/>
+              <p:nvPr/>
+            </p:nvSpPr>
+            <p:spPr>
+              <a:xfrm>
+                <a:off x="502380" y="1480604"/>
+                <a:ext cx="3622145" cy="871201"/>
+              </a:xfrm>
+              <a:prstGeom prst="rect">
+                <a:avLst/>
+              </a:prstGeom>
+            </p:spPr>
+            <p:txBody>
+              <a:bodyPr wrap="none">
+                <a:spAutoFit/>
+              </a:bodyPr>
+              <a:lstStyle/>
+              <a:p>
+                <a14:m>
+                  <m:oMathPara xmlns:m="http://schemas.openxmlformats.org/officeDocument/2006/math">
+                    <m:oMathParaPr>
+                      <m:jc m:val="centerGroup"/>
+                    </m:oMathParaPr>
+                    <m:oMath xmlns:m="http://schemas.openxmlformats.org/officeDocument/2006/math">
+                      <m:nary>
+                        <m:naryPr>
+                          <m:chr m:val="∑"/>
+                          <m:limLoc m:val="undOvr"/>
+                          <m:ctrlPr>
+                            <a:rPr lang="it-IT">
+                              <a:latin typeface="Cambria Math" panose="02040503050406030204" pitchFamily="18" charset="0"/>
+                            </a:rPr>
+                          </m:ctrlPr>
+                        </m:naryPr>
+                        <m:sub>
+                          <m:r>
+                            <a:rPr lang="it-IT" i="1">
+                              <a:latin typeface="Cambria Math" panose="02040503050406030204" pitchFamily="18" charset="0"/>
+                            </a:rPr>
+                            <m:t>𝑡</m:t>
+                          </m:r>
+                          <m:r>
+                            <a:rPr lang="it-IT" i="0">
+                              <a:latin typeface="Cambria Math" panose="02040503050406030204" pitchFamily="18" charset="0"/>
+                            </a:rPr>
+                            <m:t>=1</m:t>
+                          </m:r>
+                        </m:sub>
+                        <m:sup>
+                          <m:r>
+                            <a:rPr lang="it-IT" i="1">
+                              <a:latin typeface="Cambria Math" panose="02040503050406030204" pitchFamily="18" charset="0"/>
+                            </a:rPr>
+                            <m:t>𝑇</m:t>
+                          </m:r>
+                        </m:sup>
+                        <m:e>
+                          <m:sSub>
+                            <m:sSubPr>
+                              <m:ctrlPr>
+                                <a:rPr lang="it-IT" i="1">
+                                  <a:latin typeface="Cambria Math" panose="02040503050406030204" pitchFamily="18" charset="0"/>
+                                </a:rPr>
+                              </m:ctrlPr>
+                            </m:sSubPr>
+                            <m:e>
+                              <m:r>
+                                <a:rPr lang="it-IT" i="1">
+                                  <a:latin typeface="Cambria Math" panose="02040503050406030204" pitchFamily="18" charset="0"/>
+                                </a:rPr>
+                                <m:t>𝑥</m:t>
+                              </m:r>
+                            </m:e>
+                            <m:sub>
+                              <m:r>
+                                <a:rPr lang="it-IT" i="1">
+                                  <a:latin typeface="Cambria Math" panose="02040503050406030204" pitchFamily="18" charset="0"/>
+                                </a:rPr>
+                                <m:t>h𝑡</m:t>
+                              </m:r>
+                            </m:sub>
+                          </m:sSub>
+                        </m:e>
+                      </m:nary>
+                      <m:r>
+                        <a:rPr lang="it-IT" i="0">
+                          <a:latin typeface="Cambria Math" panose="02040503050406030204" pitchFamily="18" charset="0"/>
+                        </a:rPr>
+                        <m:t>=  </m:t>
+                      </m:r>
+                      <m:nary>
+                        <m:naryPr>
+                          <m:chr m:val="∑"/>
+                          <m:limLoc m:val="undOvr"/>
+                          <m:ctrlPr>
+                            <a:rPr lang="it-IT" i="1">
+                              <a:latin typeface="Cambria Math" panose="02040503050406030204" pitchFamily="18" charset="0"/>
+                            </a:rPr>
+                          </m:ctrlPr>
+                        </m:naryPr>
+                        <m:sub>
+                          <m:r>
+                            <a:rPr lang="it-IT" i="1">
+                              <a:latin typeface="Cambria Math" panose="02040503050406030204" pitchFamily="18" charset="0"/>
+                            </a:rPr>
+                            <m:t>𝑡</m:t>
+                          </m:r>
+                          <m:r>
+                            <a:rPr lang="it-IT" i="0">
+                              <a:latin typeface="Cambria Math" panose="02040503050406030204" pitchFamily="18" charset="0"/>
+                            </a:rPr>
+                            <m:t>=1</m:t>
+                          </m:r>
+                        </m:sub>
+                        <m:sup>
+                          <m:r>
+                            <a:rPr lang="it-IT" i="1">
+                              <a:latin typeface="Cambria Math" panose="02040503050406030204" pitchFamily="18" charset="0"/>
+                            </a:rPr>
+                            <m:t>𝑇</m:t>
+                          </m:r>
+                        </m:sup>
+                        <m:e>
+                          <m:sSub>
+                            <m:sSubPr>
+                              <m:ctrlPr>
+                                <a:rPr lang="it-IT" i="1">
+                                  <a:latin typeface="Cambria Math" panose="02040503050406030204" pitchFamily="18" charset="0"/>
+                                </a:rPr>
+                              </m:ctrlPr>
+                            </m:sSubPr>
+                            <m:e>
+                              <m:r>
+                                <a:rPr lang="it-IT" i="1">
+                                  <a:latin typeface="Cambria Math" panose="02040503050406030204" pitchFamily="18" charset="0"/>
+                                </a:rPr>
+                                <m:t>𝑞</m:t>
+                              </m:r>
+                            </m:e>
+                            <m:sub>
+                              <m:r>
+                                <a:rPr lang="it-IT" i="1">
+                                  <a:latin typeface="Cambria Math" panose="02040503050406030204" pitchFamily="18" charset="0"/>
+                                </a:rPr>
+                                <m:t>h𝑡</m:t>
+                              </m:r>
+                            </m:sub>
+                          </m:sSub>
+                        </m:e>
+                      </m:nary>
+                      <m:r>
+                        <a:rPr lang="it-IT" i="0">
+                          <a:latin typeface="Cambria Math" panose="02040503050406030204" pitchFamily="18" charset="0"/>
+                        </a:rPr>
+                        <m:t>   ∀ </m:t>
+                      </m:r>
+                      <m:r>
+                        <a:rPr lang="it-IT" i="1">
+                          <a:latin typeface="Cambria Math" panose="02040503050406030204" pitchFamily="18" charset="0"/>
+                        </a:rPr>
+                        <m:t>h</m:t>
+                      </m:r>
+                      <m:r>
+                        <a:rPr lang="it-IT" i="0">
+                          <a:latin typeface="Cambria Math" panose="02040503050406030204" pitchFamily="18" charset="0"/>
+                        </a:rPr>
+                        <m:t> 1≤</m:t>
+                      </m:r>
+                      <m:r>
+                        <a:rPr lang="it-IT" i="1">
+                          <a:latin typeface="Cambria Math" panose="02040503050406030204" pitchFamily="18" charset="0"/>
+                        </a:rPr>
+                        <m:t>h</m:t>
+                      </m:r>
+                      <m:r>
+                        <a:rPr lang="it-IT" i="0">
+                          <a:latin typeface="Cambria Math" panose="02040503050406030204" pitchFamily="18" charset="0"/>
+                        </a:rPr>
+                        <m:t>≤</m:t>
+                      </m:r>
+                      <m:r>
+                        <a:rPr lang="it-IT" i="1">
+                          <a:latin typeface="Cambria Math" panose="02040503050406030204" pitchFamily="18" charset="0"/>
+                        </a:rPr>
+                        <m:t>𝐾</m:t>
+                      </m:r>
+                      <m:r>
+                        <a:rPr lang="it-IT" i="0">
+                          <a:latin typeface="Cambria Math" panose="02040503050406030204" pitchFamily="18" charset="0"/>
+                        </a:rPr>
+                        <m:t> </m:t>
+                      </m:r>
+                    </m:oMath>
+                  </m:oMathPara>
+                </a14:m>
+                <a:endParaRPr lang="it-IT" dirty="0"/>
+              </a:p>
+            </p:txBody>
+          </p:sp>
+        </mc:Choice>
+        <mc:Fallback>
+          <p:sp>
+            <p:nvSpPr>
+              <p:cNvPr id="3" name="Rettangolo 2"/>
+              <p:cNvSpPr>
+                <a:spLocks noRot="1" noChangeAspect="1" noMove="1" noResize="1" noEditPoints="1" noAdjustHandles="1" noChangeArrowheads="1" noChangeShapeType="1" noTextEdit="1"/>
+              </p:cNvSpPr>
+              <p:nvPr/>
+            </p:nvSpPr>
+            <p:spPr>
+              <a:xfrm>
+                <a:off x="502380" y="1480604"/>
+                <a:ext cx="3622145" cy="871201"/>
+              </a:xfrm>
+              <a:prstGeom prst="rect">
+                <a:avLst/>
+              </a:prstGeom>
+              <a:blipFill rotWithShape="0">
+                <a:blip r:embed="rId2"/>
+                <a:stretch>
+                  <a:fillRect/>
+                </a:stretch>
+              </a:blipFill>
+            </p:spPr>
+            <p:txBody>
+              <a:bodyPr/>
+              <a:lstStyle/>
+              <a:p>
+                <a:r>
+                  <a:rPr lang="it-IT">
+                    <a:noFill/>
+                  </a:rPr>
+                  <a:t> </a:t>
+                </a:r>
+              </a:p>
+            </p:txBody>
+          </p:sp>
+        </mc:Fallback>
+      </mc:AlternateContent>
+      <mc:AlternateContent xmlns:mc="http://schemas.openxmlformats.org/markup-compatibility/2006">
+        <mc:Choice xmlns:a14="http://schemas.microsoft.com/office/drawing/2010/main" Requires="a14">
+          <p:sp>
+            <p:nvSpPr>
+              <p:cNvPr id="6" name="Rettangolo 5"/>
+              <p:cNvSpPr/>
+              <p:nvPr/>
+            </p:nvSpPr>
+            <p:spPr>
+              <a:xfrm>
+                <a:off x="502380" y="3429000"/>
+                <a:ext cx="2950551" cy="871201"/>
+              </a:xfrm>
+              <a:prstGeom prst="rect">
+                <a:avLst/>
+              </a:prstGeom>
+            </p:spPr>
+            <p:txBody>
+              <a:bodyPr wrap="none">
+                <a:spAutoFit/>
+              </a:bodyPr>
+              <a:lstStyle/>
+              <a:p>
+                <a14:m>
+                  <m:oMathPara xmlns:m="http://schemas.openxmlformats.org/officeDocument/2006/math">
+                    <m:oMathParaPr>
+                      <m:jc m:val="centerGroup"/>
+                    </m:oMathParaPr>
+                    <m:oMath xmlns:m="http://schemas.openxmlformats.org/officeDocument/2006/math">
+                      <m:nary>
+                        <m:naryPr>
+                          <m:chr m:val="∑"/>
+                          <m:limLoc m:val="undOvr"/>
+                          <m:ctrlPr>
+                            <a:rPr lang="it-IT">
+                              <a:latin typeface="Cambria Math" panose="02040503050406030204" pitchFamily="18" charset="0"/>
+                            </a:rPr>
+                          </m:ctrlPr>
+                        </m:naryPr>
+                        <m:sub>
+                          <m:r>
+                            <a:rPr lang="it-IT" i="1">
+                              <a:latin typeface="Cambria Math" panose="02040503050406030204" pitchFamily="18" charset="0"/>
+                            </a:rPr>
+                            <m:t>h</m:t>
+                          </m:r>
+                          <m:r>
+                            <a:rPr lang="it-IT" i="0">
+                              <a:latin typeface="Cambria Math" panose="02040503050406030204" pitchFamily="18" charset="0"/>
+                            </a:rPr>
+                            <m:t>=1</m:t>
+                          </m:r>
+                        </m:sub>
+                        <m:sup>
+                          <m:r>
+                            <a:rPr lang="it-IT" i="1">
+                              <a:latin typeface="Cambria Math" panose="02040503050406030204" pitchFamily="18" charset="0"/>
+                            </a:rPr>
+                            <m:t>𝐾</m:t>
+                          </m:r>
+                        </m:sup>
+                        <m:e>
+                          <m:sSub>
+                            <m:sSubPr>
+                              <m:ctrlPr>
+                                <a:rPr lang="it-IT" i="1">
+                                  <a:latin typeface="Cambria Math" panose="02040503050406030204" pitchFamily="18" charset="0"/>
+                                </a:rPr>
+                              </m:ctrlPr>
+                            </m:sSubPr>
+                            <m:e>
+                              <m:r>
+                                <a:rPr lang="it-IT" i="1">
+                                  <a:latin typeface="Cambria Math" panose="02040503050406030204" pitchFamily="18" charset="0"/>
+                                </a:rPr>
+                                <m:t>𝑥</m:t>
+                              </m:r>
+                            </m:e>
+                            <m:sub>
+                              <m:r>
+                                <a:rPr lang="it-IT" i="1">
+                                  <a:latin typeface="Cambria Math" panose="02040503050406030204" pitchFamily="18" charset="0"/>
+                                </a:rPr>
+                                <m:t>h𝑡</m:t>
+                              </m:r>
+                            </m:sub>
+                          </m:sSub>
+                          <m:r>
+                            <a:rPr lang="it-IT" i="0">
+                              <a:latin typeface="Cambria Math" panose="02040503050406030204" pitchFamily="18" charset="0"/>
+                            </a:rPr>
+                            <m:t>≤</m:t>
+                          </m:r>
+                          <m:r>
+                            <a:rPr lang="it-IT" i="1">
+                              <a:latin typeface="Cambria Math" panose="02040503050406030204" pitchFamily="18" charset="0"/>
+                            </a:rPr>
+                            <m:t>𝑄</m:t>
+                          </m:r>
+                        </m:e>
+                      </m:nary>
+                      <m:r>
+                        <a:rPr lang="it-IT" i="0">
+                          <a:latin typeface="Cambria Math" panose="02040503050406030204" pitchFamily="18" charset="0"/>
+                        </a:rPr>
+                        <m:t>   ∀ </m:t>
+                      </m:r>
+                      <m:r>
+                        <a:rPr lang="it-IT" i="1">
+                          <a:latin typeface="Cambria Math" panose="02040503050406030204" pitchFamily="18" charset="0"/>
+                        </a:rPr>
+                        <m:t>𝑡</m:t>
+                      </m:r>
+                      <m:r>
+                        <a:rPr lang="it-IT" i="0">
+                          <a:latin typeface="Cambria Math" panose="02040503050406030204" pitchFamily="18" charset="0"/>
+                        </a:rPr>
+                        <m:t> 1≤</m:t>
+                      </m:r>
+                      <m:r>
+                        <a:rPr lang="it-IT" i="1">
+                          <a:latin typeface="Cambria Math" panose="02040503050406030204" pitchFamily="18" charset="0"/>
+                        </a:rPr>
+                        <m:t>𝑡</m:t>
+                      </m:r>
+                      <m:r>
+                        <a:rPr lang="it-IT" i="0">
+                          <a:latin typeface="Cambria Math" panose="02040503050406030204" pitchFamily="18" charset="0"/>
+                        </a:rPr>
+                        <m:t>≤</m:t>
+                      </m:r>
+                      <m:r>
+                        <a:rPr lang="it-IT" i="1">
+                          <a:latin typeface="Cambria Math" panose="02040503050406030204" pitchFamily="18" charset="0"/>
+                        </a:rPr>
+                        <m:t>𝑇</m:t>
+                      </m:r>
+                      <m:r>
+                        <a:rPr lang="it-IT" i="0">
+                          <a:latin typeface="Cambria Math" panose="02040503050406030204" pitchFamily="18" charset="0"/>
+                        </a:rPr>
+                        <m:t> </m:t>
+                      </m:r>
+                    </m:oMath>
+                  </m:oMathPara>
+                </a14:m>
+                <a:endParaRPr lang="it-IT" dirty="0"/>
+              </a:p>
+            </p:txBody>
+          </p:sp>
+        </mc:Choice>
+        <mc:Fallback>
+          <p:sp>
+            <p:nvSpPr>
+              <p:cNvPr id="6" name="Rettangolo 5"/>
+              <p:cNvSpPr>
+                <a:spLocks noRot="1" noChangeAspect="1" noMove="1" noResize="1" noEditPoints="1" noAdjustHandles="1" noChangeArrowheads="1" noChangeShapeType="1" noTextEdit="1"/>
+              </p:cNvSpPr>
+              <p:nvPr/>
+            </p:nvSpPr>
+            <p:spPr>
+              <a:xfrm>
+                <a:off x="502380" y="3429000"/>
+                <a:ext cx="2950551" cy="871201"/>
+              </a:xfrm>
+              <a:prstGeom prst="rect">
+                <a:avLst/>
+              </a:prstGeom>
+              <a:blipFill rotWithShape="0">
+                <a:blip r:embed="rId3"/>
+                <a:stretch>
+                  <a:fillRect/>
+                </a:stretch>
+              </a:blipFill>
+            </p:spPr>
+            <p:txBody>
+              <a:bodyPr/>
+              <a:lstStyle/>
+              <a:p>
+                <a:r>
+                  <a:rPr lang="it-IT">
+                    <a:noFill/>
+                  </a:rPr>
+                  <a:t> </a:t>
+                </a:r>
+              </a:p>
+            </p:txBody>
+          </p:sp>
+        </mc:Fallback>
+      </mc:AlternateContent>
+    </p:spTree>
+    <p:extLst>
+      <p:ext uri="{BB962C8B-B14F-4D97-AF65-F5344CB8AC3E}">
+        <p14:creationId xmlns:p14="http://schemas.microsoft.com/office/powerpoint/2010/main" val="1580046090"/>
+      </p:ext>
+    </p:extLst>
+  </p:cSld>
+  <p:clrMapOvr>
+    <a:masterClrMapping/>
+  </p:clrMapOvr>
+  <p:timing>
+    <p:tnLst>
+      <p:par>
+        <p:cTn id="1" dur="indefinite" restart="never" nodeType="tmRoot"/>
       </p:par>
     </p:tnLst>
   </p:timing>
